--- a/Guideline_for_Presentation.pptx
+++ b/Guideline_for_Presentation.pptx
@@ -134,6 +134,51 @@
 </p:presentation>
 </file>
 
+<file path=ppt/revisionInfo.xml><?xml version="1.0" encoding="utf-8"?>
+<p1510:revInfo xmlns:a="http://schemas.openxmlformats.org/drawingml/2006/main" xmlns:r="http://schemas.openxmlformats.org/officeDocument/2006/relationships" xmlns:p1510="http://schemas.microsoft.com/office/powerpoint/2015/10/main">
+  <p1510:revLst>
+    <p1510:client id="{AD130E57-3782-473D-A6E9-6043EEC7D60C}" v="45" dt="2020-08-14T04:10:52.067"/>
+  </p1510:revLst>
+</p1510:revInfo>
+</file>
+
+<file path=ppt/changesInfos/changesInfo1.xml><?xml version="1.0" encoding="utf-8"?>
+<pc:chgInfo xmlns:a="http://schemas.openxmlformats.org/drawingml/2006/main" xmlns:r="http://schemas.openxmlformats.org/officeDocument/2006/relationships" xmlns:ac="http://schemas.microsoft.com/office/drawing/2013/main/command" xmlns:pc="http://schemas.microsoft.com/office/powerpoint/2013/main/command">
+  <pc:docChgLst>
+    <pc:chgData name="Nattapong Banjun" userId="7a048a9539a21873" providerId="Windows Live" clId="Web-{AD130E57-3782-473D-A6E9-6043EEC7D60C}"/>
+    <pc:docChg chg="modSld">
+      <pc:chgData name="Nattapong Banjun" userId="7a048a9539a21873" providerId="Windows Live" clId="Web-{AD130E57-3782-473D-A6E9-6043EEC7D60C}" dt="2020-08-14T04:10:52.067" v="42" actId="1076"/>
+      <pc:docMkLst>
+        <pc:docMk/>
+      </pc:docMkLst>
+      <pc:sldChg chg="addSp modSp">
+        <pc:chgData name="Nattapong Banjun" userId="7a048a9539a21873" providerId="Windows Live" clId="Web-{AD130E57-3782-473D-A6E9-6043EEC7D60C}" dt="2020-08-14T04:10:52.067" v="42" actId="1076"/>
+        <pc:sldMkLst>
+          <pc:docMk/>
+          <pc:sldMk cId="1339676924" sldId="417"/>
+        </pc:sldMkLst>
+        <pc:spChg chg="add mod">
+          <ac:chgData name="Nattapong Banjun" userId="7a048a9539a21873" providerId="Windows Live" clId="Web-{AD130E57-3782-473D-A6E9-6043EEC7D60C}" dt="2020-08-14T04:10:43.817" v="39" actId="20577"/>
+          <ac:spMkLst>
+            <pc:docMk/>
+            <pc:sldMk cId="1339676924" sldId="417"/>
+            <ac:spMk id="3" creationId="{D37C1C84-4312-4382-A483-3665A5F47174}"/>
+          </ac:spMkLst>
+        </pc:spChg>
+        <pc:spChg chg="add mod">
+          <ac:chgData name="Nattapong Banjun" userId="7a048a9539a21873" providerId="Windows Live" clId="Web-{AD130E57-3782-473D-A6E9-6043EEC7D60C}" dt="2020-08-14T04:10:52.067" v="42" actId="1076"/>
+          <ac:spMkLst>
+            <pc:docMk/>
+            <pc:sldMk cId="1339676924" sldId="417"/>
+            <ac:spMk id="4" creationId="{7D4051C0-A965-44EE-9570-D6EF94846FFD}"/>
+          </ac:spMkLst>
+        </pc:spChg>
+      </pc:sldChg>
+    </pc:docChg>
+  </pc:docChgLst>
+</pc:chgInfo>
+</file>
+
 <file path=ppt/notesMasters/notesMaster1.xml><?xml version="1.0" encoding="utf-8"?>
 <p:notesMaster xmlns:a="http://schemas.openxmlformats.org/drawingml/2006/main" xmlns:r="http://schemas.openxmlformats.org/officeDocument/2006/relationships" xmlns:p="http://schemas.openxmlformats.org/presentationml/2006/main">
   <p:cSld>
@@ -216,7 +261,7 @@
           <a:p>
             <a:fld id="{FD5B0B23-AAA5-4BF8-9C5A-1340090BE6C9}" type="datetimeFigureOut">
               <a:rPr lang="en-US" smtClean="0"/>
-              <a:t>8/8/2020</a:t>
+              <a:t>8/13/2020</a:t>
             </a:fld>
             <a:endParaRPr lang="en-US"/>
           </a:p>
@@ -280,38 +325,37 @@
           <a:p>
             <a:pPr lvl="0"/>
             <a:r>
-              <a:rPr lang="en-US" smtClean="0"/>
+              <a:rPr lang="en-US"/>
               <a:t>Edit Master text styles</a:t>
             </a:r>
           </a:p>
           <a:p>
             <a:pPr lvl="1"/>
             <a:r>
-              <a:rPr lang="en-US" smtClean="0"/>
+              <a:rPr lang="en-US"/>
               <a:t>Second level</a:t>
             </a:r>
           </a:p>
           <a:p>
             <a:pPr lvl="2"/>
             <a:r>
-              <a:rPr lang="en-US" smtClean="0"/>
+              <a:rPr lang="en-US"/>
               <a:t>Third level</a:t>
             </a:r>
           </a:p>
           <a:p>
             <a:pPr lvl="3"/>
             <a:r>
-              <a:rPr lang="en-US" smtClean="0"/>
+              <a:rPr lang="en-US"/>
               <a:t>Fourth level</a:t>
             </a:r>
           </a:p>
           <a:p>
             <a:pPr lvl="4"/>
             <a:r>
-              <a:rPr lang="en-US" smtClean="0"/>
+              <a:rPr lang="en-US"/>
               <a:t>Fifth level</a:t>
             </a:r>
-            <a:endParaRPr lang="en-US"/>
           </a:p>
         </p:txBody>
       </p:sp>
@@ -1114,7 +1158,7 @@
           </a:lstStyle>
           <a:p>
             <a:r>
-              <a:rPr lang="en-US" smtClean="0"/>
+              <a:rPr lang="en-US"/>
               <a:t>Click to edit Master title style</a:t>
             </a:r>
             <a:endParaRPr lang="en-US" dirty="0"/>
@@ -1179,7 +1223,7 @@
           </a:lstStyle>
           <a:p>
             <a:r>
-              <a:rPr lang="en-US" smtClean="0"/>
+              <a:rPr lang="en-US"/>
               <a:t>Click to edit Master subtitle style</a:t>
             </a:r>
             <a:endParaRPr lang="en-US" dirty="0"/>
@@ -1203,7 +1247,7 @@
           <a:p>
             <a:fld id="{7777E32A-D3D1-40AC-85C7-353701257000}" type="datetime1">
               <a:rPr lang="en-US" smtClean="0"/>
-              <a:t>8/8/2020</a:t>
+              <a:t>8/13/2020</a:t>
             </a:fld>
             <a:endParaRPr lang="en-US"/>
           </a:p>
@@ -1297,7 +1341,7 @@
           <a:lstStyle/>
           <a:p>
             <a:r>
-              <a:rPr lang="en-US" smtClean="0"/>
+              <a:rPr lang="en-US"/>
               <a:t>Click to edit Master title style</a:t>
             </a:r>
             <a:endParaRPr lang="en-US" dirty="0"/>
@@ -1321,35 +1365,35 @@
           <a:p>
             <a:pPr lvl="0"/>
             <a:r>
-              <a:rPr lang="en-US" smtClean="0"/>
+              <a:rPr lang="en-US"/>
               <a:t>Edit Master text styles</a:t>
             </a:r>
           </a:p>
           <a:p>
             <a:pPr lvl="1"/>
             <a:r>
-              <a:rPr lang="en-US" smtClean="0"/>
+              <a:rPr lang="en-US"/>
               <a:t>Second level</a:t>
             </a:r>
           </a:p>
           <a:p>
             <a:pPr lvl="2"/>
             <a:r>
-              <a:rPr lang="en-US" smtClean="0"/>
+              <a:rPr lang="en-US"/>
               <a:t>Third level</a:t>
             </a:r>
           </a:p>
           <a:p>
             <a:pPr lvl="3"/>
             <a:r>
-              <a:rPr lang="en-US" smtClean="0"/>
+              <a:rPr lang="en-US"/>
               <a:t>Fourth level</a:t>
             </a:r>
           </a:p>
           <a:p>
             <a:pPr lvl="4"/>
             <a:r>
-              <a:rPr lang="en-US" smtClean="0"/>
+              <a:rPr lang="en-US"/>
               <a:t>Fifth level</a:t>
             </a:r>
             <a:endParaRPr lang="en-US" dirty="0"/>
@@ -1373,7 +1417,7 @@
           <a:p>
             <a:fld id="{CFF863D5-6FBC-46BB-AF4B-AD0BE34A0AC6}" type="datetime1">
               <a:rPr lang="en-US" smtClean="0"/>
-              <a:t>8/8/2020</a:t>
+              <a:t>8/13/2020</a:t>
             </a:fld>
             <a:endParaRPr lang="en-US"/>
           </a:p>
@@ -1472,7 +1516,7 @@
           <a:lstStyle/>
           <a:p>
             <a:r>
-              <a:rPr lang="en-US" smtClean="0"/>
+              <a:rPr lang="en-US"/>
               <a:t>Click to edit Master title style</a:t>
             </a:r>
             <a:endParaRPr lang="en-US" dirty="0"/>
@@ -1501,35 +1545,35 @@
           <a:p>
             <a:pPr lvl="0"/>
             <a:r>
-              <a:rPr lang="en-US" smtClean="0"/>
+              <a:rPr lang="en-US"/>
               <a:t>Edit Master text styles</a:t>
             </a:r>
           </a:p>
           <a:p>
             <a:pPr lvl="1"/>
             <a:r>
-              <a:rPr lang="en-US" smtClean="0"/>
+              <a:rPr lang="en-US"/>
               <a:t>Second level</a:t>
             </a:r>
           </a:p>
           <a:p>
             <a:pPr lvl="2"/>
             <a:r>
-              <a:rPr lang="en-US" smtClean="0"/>
+              <a:rPr lang="en-US"/>
               <a:t>Third level</a:t>
             </a:r>
           </a:p>
           <a:p>
             <a:pPr lvl="3"/>
             <a:r>
-              <a:rPr lang="en-US" smtClean="0"/>
+              <a:rPr lang="en-US"/>
               <a:t>Fourth level</a:t>
             </a:r>
           </a:p>
           <a:p>
             <a:pPr lvl="4"/>
             <a:r>
-              <a:rPr lang="en-US" smtClean="0"/>
+              <a:rPr lang="en-US"/>
               <a:t>Fifth level</a:t>
             </a:r>
             <a:endParaRPr lang="en-US" dirty="0"/>
@@ -1553,7 +1597,7 @@
           <a:p>
             <a:fld id="{1882A6BB-9166-4296-8081-98A110C0E4DF}" type="datetime1">
               <a:rPr lang="en-US" smtClean="0"/>
-              <a:t>8/8/2020</a:t>
+              <a:t>8/13/2020</a:t>
             </a:fld>
             <a:endParaRPr lang="en-US"/>
           </a:p>
@@ -1647,7 +1691,7 @@
           <a:lstStyle/>
           <a:p>
             <a:r>
-              <a:rPr lang="en-US" smtClean="0"/>
+              <a:rPr lang="en-US"/>
               <a:t>Click to edit Master title style</a:t>
             </a:r>
             <a:endParaRPr lang="en-US" dirty="0"/>
@@ -1671,35 +1715,35 @@
           <a:p>
             <a:pPr lvl="0"/>
             <a:r>
-              <a:rPr lang="en-US" smtClean="0"/>
+              <a:rPr lang="en-US"/>
               <a:t>Edit Master text styles</a:t>
             </a:r>
           </a:p>
           <a:p>
             <a:pPr lvl="1"/>
             <a:r>
-              <a:rPr lang="en-US" smtClean="0"/>
+              <a:rPr lang="en-US"/>
               <a:t>Second level</a:t>
             </a:r>
           </a:p>
           <a:p>
             <a:pPr lvl="2"/>
             <a:r>
-              <a:rPr lang="en-US" smtClean="0"/>
+              <a:rPr lang="en-US"/>
               <a:t>Third level</a:t>
             </a:r>
           </a:p>
           <a:p>
             <a:pPr lvl="3"/>
             <a:r>
-              <a:rPr lang="en-US" smtClean="0"/>
+              <a:rPr lang="en-US"/>
               <a:t>Fourth level</a:t>
             </a:r>
           </a:p>
           <a:p>
             <a:pPr lvl="4"/>
             <a:r>
-              <a:rPr lang="en-US" smtClean="0"/>
+              <a:rPr lang="en-US"/>
               <a:t>Fifth level</a:t>
             </a:r>
             <a:endParaRPr lang="en-US" dirty="0"/>
@@ -1723,7 +1767,7 @@
           <a:p>
             <a:fld id="{161081E9-71C6-461F-8AA1-B4C1DD871F2B}" type="datetime1">
               <a:rPr lang="en-US" smtClean="0"/>
-              <a:t>8/8/2020</a:t>
+              <a:t>8/13/2020</a:t>
             </a:fld>
             <a:endParaRPr lang="en-US"/>
           </a:p>
@@ -1826,7 +1870,7 @@
           </a:lstStyle>
           <a:p>
             <a:r>
-              <a:rPr lang="en-US" smtClean="0"/>
+              <a:rPr lang="en-US"/>
               <a:t>Click to edit Master title style</a:t>
             </a:r>
             <a:endParaRPr lang="en-US" dirty="0"/>
@@ -1944,7 +1988,7 @@
           <a:p>
             <a:pPr lvl="0"/>
             <a:r>
-              <a:rPr lang="en-US" smtClean="0"/>
+              <a:rPr lang="en-US"/>
               <a:t>Edit Master text styles</a:t>
             </a:r>
           </a:p>
@@ -1967,7 +2011,7 @@
           <a:p>
             <a:fld id="{33AF28F0-AC29-40AA-ADE8-D6D3B05FE50D}" type="datetime1">
               <a:rPr lang="en-US" smtClean="0"/>
-              <a:t>8/8/2020</a:t>
+              <a:t>8/13/2020</a:t>
             </a:fld>
             <a:endParaRPr lang="en-US"/>
           </a:p>
@@ -2061,7 +2105,7 @@
           <a:lstStyle/>
           <a:p>
             <a:r>
-              <a:rPr lang="en-US" smtClean="0"/>
+              <a:rPr lang="en-US"/>
               <a:t>Click to edit Master title style</a:t>
             </a:r>
             <a:endParaRPr lang="en-US" dirty="0"/>
@@ -2090,35 +2134,35 @@
           <a:p>
             <a:pPr lvl="0"/>
             <a:r>
-              <a:rPr lang="en-US" smtClean="0"/>
+              <a:rPr lang="en-US"/>
               <a:t>Edit Master text styles</a:t>
             </a:r>
           </a:p>
           <a:p>
             <a:pPr lvl="1"/>
             <a:r>
-              <a:rPr lang="en-US" smtClean="0"/>
+              <a:rPr lang="en-US"/>
               <a:t>Second level</a:t>
             </a:r>
           </a:p>
           <a:p>
             <a:pPr lvl="2"/>
             <a:r>
-              <a:rPr lang="en-US" smtClean="0"/>
+              <a:rPr lang="en-US"/>
               <a:t>Third level</a:t>
             </a:r>
           </a:p>
           <a:p>
             <a:pPr lvl="3"/>
             <a:r>
-              <a:rPr lang="en-US" smtClean="0"/>
+              <a:rPr lang="en-US"/>
               <a:t>Fourth level</a:t>
             </a:r>
           </a:p>
           <a:p>
             <a:pPr lvl="4"/>
             <a:r>
-              <a:rPr lang="en-US" smtClean="0"/>
+              <a:rPr lang="en-US"/>
               <a:t>Fifth level</a:t>
             </a:r>
             <a:endParaRPr lang="en-US" dirty="0"/>
@@ -2147,35 +2191,35 @@
           <a:p>
             <a:pPr lvl="0"/>
             <a:r>
-              <a:rPr lang="en-US" smtClean="0"/>
+              <a:rPr lang="en-US"/>
               <a:t>Edit Master text styles</a:t>
             </a:r>
           </a:p>
           <a:p>
             <a:pPr lvl="1"/>
             <a:r>
-              <a:rPr lang="en-US" smtClean="0"/>
+              <a:rPr lang="en-US"/>
               <a:t>Second level</a:t>
             </a:r>
           </a:p>
           <a:p>
             <a:pPr lvl="2"/>
             <a:r>
-              <a:rPr lang="en-US" smtClean="0"/>
+              <a:rPr lang="en-US"/>
               <a:t>Third level</a:t>
             </a:r>
           </a:p>
           <a:p>
             <a:pPr lvl="3"/>
             <a:r>
-              <a:rPr lang="en-US" smtClean="0"/>
+              <a:rPr lang="en-US"/>
               <a:t>Fourth level</a:t>
             </a:r>
           </a:p>
           <a:p>
             <a:pPr lvl="4"/>
             <a:r>
-              <a:rPr lang="en-US" smtClean="0"/>
+              <a:rPr lang="en-US"/>
               <a:t>Fifth level</a:t>
             </a:r>
             <a:endParaRPr lang="en-US" dirty="0"/>
@@ -2199,7 +2243,7 @@
           <a:p>
             <a:fld id="{BF9D51F4-84FE-4FDD-85DA-AAC45D441908}" type="datetime1">
               <a:rPr lang="en-US" smtClean="0"/>
-              <a:t>8/8/2020</a:t>
+              <a:t>8/13/2020</a:t>
             </a:fld>
             <a:endParaRPr lang="en-US"/>
           </a:p>
@@ -2298,7 +2342,7 @@
           <a:lstStyle/>
           <a:p>
             <a:r>
-              <a:rPr lang="en-US" smtClean="0"/>
+              <a:rPr lang="en-US"/>
               <a:t>Click to edit Master title style</a:t>
             </a:r>
             <a:endParaRPr lang="en-US" dirty="0"/>
@@ -2364,7 +2408,7 @@
           <a:p>
             <a:pPr lvl="0"/>
             <a:r>
-              <a:rPr lang="en-US" smtClean="0"/>
+              <a:rPr lang="en-US"/>
               <a:t>Edit Master text styles</a:t>
             </a:r>
           </a:p>
@@ -2392,35 +2436,35 @@
           <a:p>
             <a:pPr lvl="0"/>
             <a:r>
-              <a:rPr lang="en-US" smtClean="0"/>
+              <a:rPr lang="en-US"/>
               <a:t>Edit Master text styles</a:t>
             </a:r>
           </a:p>
           <a:p>
             <a:pPr lvl="1"/>
             <a:r>
-              <a:rPr lang="en-US" smtClean="0"/>
+              <a:rPr lang="en-US"/>
               <a:t>Second level</a:t>
             </a:r>
           </a:p>
           <a:p>
             <a:pPr lvl="2"/>
             <a:r>
-              <a:rPr lang="en-US" smtClean="0"/>
+              <a:rPr lang="en-US"/>
               <a:t>Third level</a:t>
             </a:r>
           </a:p>
           <a:p>
             <a:pPr lvl="3"/>
             <a:r>
-              <a:rPr lang="en-US" smtClean="0"/>
+              <a:rPr lang="en-US"/>
               <a:t>Fourth level</a:t>
             </a:r>
           </a:p>
           <a:p>
             <a:pPr lvl="4"/>
             <a:r>
-              <a:rPr lang="en-US" smtClean="0"/>
+              <a:rPr lang="en-US"/>
               <a:t>Fifth level</a:t>
             </a:r>
             <a:endParaRPr lang="en-US" dirty="0"/>
@@ -2486,7 +2530,7 @@
           <a:p>
             <a:pPr lvl="0"/>
             <a:r>
-              <a:rPr lang="en-US" smtClean="0"/>
+              <a:rPr lang="en-US"/>
               <a:t>Edit Master text styles</a:t>
             </a:r>
           </a:p>
@@ -2514,35 +2558,35 @@
           <a:p>
             <a:pPr lvl="0"/>
             <a:r>
-              <a:rPr lang="en-US" smtClean="0"/>
+              <a:rPr lang="en-US"/>
               <a:t>Edit Master text styles</a:t>
             </a:r>
           </a:p>
           <a:p>
             <a:pPr lvl="1"/>
             <a:r>
-              <a:rPr lang="en-US" smtClean="0"/>
+              <a:rPr lang="en-US"/>
               <a:t>Second level</a:t>
             </a:r>
           </a:p>
           <a:p>
             <a:pPr lvl="2"/>
             <a:r>
-              <a:rPr lang="en-US" smtClean="0"/>
+              <a:rPr lang="en-US"/>
               <a:t>Third level</a:t>
             </a:r>
           </a:p>
           <a:p>
             <a:pPr lvl="3"/>
             <a:r>
-              <a:rPr lang="en-US" smtClean="0"/>
+              <a:rPr lang="en-US"/>
               <a:t>Fourth level</a:t>
             </a:r>
           </a:p>
           <a:p>
             <a:pPr lvl="4"/>
             <a:r>
-              <a:rPr lang="en-US" smtClean="0"/>
+              <a:rPr lang="en-US"/>
               <a:t>Fifth level</a:t>
             </a:r>
             <a:endParaRPr lang="en-US" dirty="0"/>
@@ -2566,7 +2610,7 @@
           <a:p>
             <a:fld id="{AD7C90BD-2A3D-4812-97BB-71AABF5C8EDA}" type="datetime1">
               <a:rPr lang="en-US" smtClean="0"/>
-              <a:t>8/8/2020</a:t>
+              <a:t>8/13/2020</a:t>
             </a:fld>
             <a:endParaRPr lang="en-US"/>
           </a:p>
@@ -2660,7 +2704,7 @@
           <a:lstStyle/>
           <a:p>
             <a:r>
-              <a:rPr lang="en-US" smtClean="0"/>
+              <a:rPr lang="en-US"/>
               <a:t>Click to edit Master title style</a:t>
             </a:r>
             <a:endParaRPr lang="en-US" dirty="0"/>
@@ -2684,7 +2728,7 @@
           <a:p>
             <a:fld id="{9AD08464-2AE5-4384-94E3-95895167C94B}" type="datetime1">
               <a:rPr lang="en-US" smtClean="0"/>
-              <a:t>8/8/2020</a:t>
+              <a:t>8/13/2020</a:t>
             </a:fld>
             <a:endParaRPr lang="en-US"/>
           </a:p>
@@ -2779,7 +2823,7 @@
           <a:p>
             <a:fld id="{F8BB36D3-4F19-4804-A088-3ED423A2D65B}" type="datetime1">
               <a:rPr lang="en-US" smtClean="0"/>
-              <a:t>8/8/2020</a:t>
+              <a:t>8/13/2020</a:t>
             </a:fld>
             <a:endParaRPr lang="en-US"/>
           </a:p>
@@ -2882,7 +2926,7 @@
           </a:lstStyle>
           <a:p>
             <a:r>
-              <a:rPr lang="en-US" smtClean="0"/>
+              <a:rPr lang="en-US"/>
               <a:t>Click to edit Master title style</a:t>
             </a:r>
             <a:endParaRPr lang="en-US" dirty="0"/>
@@ -2939,35 +2983,35 @@
           <a:p>
             <a:pPr lvl="0"/>
             <a:r>
-              <a:rPr lang="en-US" smtClean="0"/>
+              <a:rPr lang="en-US"/>
               <a:t>Edit Master text styles</a:t>
             </a:r>
           </a:p>
           <a:p>
             <a:pPr lvl="1"/>
             <a:r>
-              <a:rPr lang="en-US" smtClean="0"/>
+              <a:rPr lang="en-US"/>
               <a:t>Second level</a:t>
             </a:r>
           </a:p>
           <a:p>
             <a:pPr lvl="2"/>
             <a:r>
-              <a:rPr lang="en-US" smtClean="0"/>
+              <a:rPr lang="en-US"/>
               <a:t>Third level</a:t>
             </a:r>
           </a:p>
           <a:p>
             <a:pPr lvl="3"/>
             <a:r>
-              <a:rPr lang="en-US" smtClean="0"/>
+              <a:rPr lang="en-US"/>
               <a:t>Fourth level</a:t>
             </a:r>
           </a:p>
           <a:p>
             <a:pPr lvl="4"/>
             <a:r>
-              <a:rPr lang="en-US" smtClean="0"/>
+              <a:rPr lang="en-US"/>
               <a:t>Fifth level</a:t>
             </a:r>
             <a:endParaRPr lang="en-US" dirty="0"/>
@@ -3033,7 +3077,7 @@
           <a:p>
             <a:pPr lvl="0"/>
             <a:r>
-              <a:rPr lang="en-US" smtClean="0"/>
+              <a:rPr lang="en-US"/>
               <a:t>Edit Master text styles</a:t>
             </a:r>
           </a:p>
@@ -3056,7 +3100,7 @@
           <a:p>
             <a:fld id="{86857843-EE88-4DB2-AE5E-22640502EA82}" type="datetime1">
               <a:rPr lang="en-US" smtClean="0"/>
-              <a:t>8/8/2020</a:t>
+              <a:t>8/13/2020</a:t>
             </a:fld>
             <a:endParaRPr lang="en-US"/>
           </a:p>
@@ -3159,7 +3203,7 @@
           </a:lstStyle>
           <a:p>
             <a:r>
-              <a:rPr lang="en-US" smtClean="0"/>
+              <a:rPr lang="en-US"/>
               <a:t>Click to edit Master title style</a:t>
             </a:r>
             <a:endParaRPr lang="en-US" dirty="0"/>
@@ -3224,7 +3268,7 @@
           </a:lstStyle>
           <a:p>
             <a:r>
-              <a:rPr lang="en-US" smtClean="0"/>
+              <a:rPr lang="en-US"/>
               <a:t>Click icon to add picture</a:t>
             </a:r>
             <a:endParaRPr lang="en-US" dirty="0"/>
@@ -3290,7 +3334,7 @@
           <a:p>
             <a:pPr lvl="0"/>
             <a:r>
-              <a:rPr lang="en-US" smtClean="0"/>
+              <a:rPr lang="en-US"/>
               <a:t>Edit Master text styles</a:t>
             </a:r>
           </a:p>
@@ -3313,7 +3357,7 @@
           <a:p>
             <a:fld id="{EF2B65F7-05D8-4C7D-978B-3AEE6CF5A914}" type="datetime1">
               <a:rPr lang="en-US" smtClean="0"/>
-              <a:t>8/8/2020</a:t>
+              <a:t>8/13/2020</a:t>
             </a:fld>
             <a:endParaRPr lang="en-US"/>
           </a:p>
@@ -3422,7 +3466,7 @@
           <a:lstStyle/>
           <a:p>
             <a:r>
-              <a:rPr lang="en-US" smtClean="0"/>
+              <a:rPr lang="en-US"/>
               <a:t>Click to edit Master title style</a:t>
             </a:r>
             <a:endParaRPr lang="en-US" dirty="0"/>
@@ -3456,35 +3500,35 @@
           <a:p>
             <a:pPr lvl="0"/>
             <a:r>
-              <a:rPr lang="en-US" smtClean="0"/>
+              <a:rPr lang="en-US"/>
               <a:t>Edit Master text styles</a:t>
             </a:r>
           </a:p>
           <a:p>
             <a:pPr lvl="1"/>
             <a:r>
-              <a:rPr lang="en-US" smtClean="0"/>
+              <a:rPr lang="en-US"/>
               <a:t>Second level</a:t>
             </a:r>
           </a:p>
           <a:p>
             <a:pPr lvl="2"/>
             <a:r>
-              <a:rPr lang="en-US" smtClean="0"/>
+              <a:rPr lang="en-US"/>
               <a:t>Third level</a:t>
             </a:r>
           </a:p>
           <a:p>
             <a:pPr lvl="3"/>
             <a:r>
-              <a:rPr lang="en-US" smtClean="0"/>
+              <a:rPr lang="en-US"/>
               <a:t>Fourth level</a:t>
             </a:r>
           </a:p>
           <a:p>
             <a:pPr lvl="4"/>
             <a:r>
-              <a:rPr lang="en-US" smtClean="0"/>
+              <a:rPr lang="en-US"/>
               <a:t>Fifth level</a:t>
             </a:r>
             <a:endParaRPr lang="en-US" dirty="0"/>
@@ -3526,7 +3570,7 @@
           <a:p>
             <a:fld id="{CE596CD0-7554-4C84-B99F-1481E78AF542}" type="datetime1">
               <a:rPr lang="en-US" smtClean="0"/>
-              <a:t>8/8/2020</a:t>
+              <a:t>8/13/2020</a:t>
             </a:fld>
             <a:endParaRPr lang="en-US"/>
           </a:p>
@@ -3948,10 +3992,9 @@
           <a:lstStyle/>
           <a:p>
             <a:r>
-              <a:rPr lang="en-US" dirty="0" smtClean="0"/>
+              <a:rPr lang="en-US" dirty="0"/>
               <a:t>OJT Presentation</a:t>
             </a:r>
-            <a:endParaRPr lang="en-US" dirty="0"/>
           </a:p>
         </p:txBody>
       </p:sp>
@@ -3971,10 +4014,9 @@
           <a:lstStyle/>
           <a:p>
             <a:r>
-              <a:rPr lang="en-US" dirty="0" smtClean="0"/>
+              <a:rPr lang="en-US" dirty="0"/>
               <a:t>OJT Trainee</a:t>
             </a:r>
-            <a:endParaRPr lang="en-US" dirty="0"/>
           </a:p>
         </p:txBody>
       </p:sp>
@@ -4003,35 +4045,35 @@
           <a:lstStyle/>
           <a:p>
             <a:r>
-              <a:rPr lang="en-US" dirty="0" smtClean="0"/>
+              <a:rPr lang="en-US" dirty="0"/>
               <a:t>Details of employee (trainee)</a:t>
             </a:r>
           </a:p>
           <a:p>
             <a:pPr lvl="1"/>
             <a:r>
-              <a:rPr lang="en-US" dirty="0" smtClean="0"/>
+              <a:rPr lang="en-US" dirty="0"/>
               <a:t>Name-surname</a:t>
             </a:r>
           </a:p>
           <a:p>
             <a:pPr lvl="1"/>
             <a:r>
-              <a:rPr lang="en-US" dirty="0" smtClean="0"/>
+              <a:rPr lang="en-US" dirty="0"/>
               <a:t>Position</a:t>
             </a:r>
           </a:p>
           <a:p>
             <a:pPr lvl="1"/>
             <a:r>
-              <a:rPr lang="en-US" dirty="0" smtClean="0"/>
+              <a:rPr lang="en-US" dirty="0"/>
               <a:t>Dep/Div.</a:t>
             </a:r>
           </a:p>
           <a:p>
             <a:pPr lvl="1"/>
             <a:r>
-              <a:rPr lang="en-US" dirty="0" smtClean="0"/>
+              <a:rPr lang="en-US" dirty="0"/>
               <a:t>Education background</a:t>
             </a:r>
           </a:p>
@@ -4053,10 +4095,9 @@
           <a:lstStyle/>
           <a:p>
             <a:r>
-              <a:rPr lang="en-US" dirty="0" smtClean="0"/>
+              <a:rPr lang="en-US" dirty="0"/>
               <a:t>OJT Trainer</a:t>
             </a:r>
-            <a:endParaRPr lang="en-US" dirty="0"/>
           </a:p>
         </p:txBody>
       </p:sp>
@@ -4085,38 +4126,37 @@
           <a:lstStyle/>
           <a:p>
             <a:r>
-              <a:rPr lang="en-US" dirty="0" smtClean="0"/>
+              <a:rPr lang="en-US" dirty="0"/>
               <a:t>Details of employee (Trainer)</a:t>
             </a:r>
           </a:p>
           <a:p>
             <a:pPr lvl="1"/>
             <a:r>
-              <a:rPr lang="en-US" dirty="0" smtClean="0"/>
+              <a:rPr lang="en-US" dirty="0"/>
               <a:t>Name-surname</a:t>
             </a:r>
           </a:p>
           <a:p>
             <a:pPr lvl="1"/>
             <a:r>
-              <a:rPr lang="en-US" dirty="0" smtClean="0"/>
+              <a:rPr lang="en-US" dirty="0"/>
               <a:t>Position</a:t>
             </a:r>
           </a:p>
           <a:p>
             <a:pPr lvl="1"/>
             <a:r>
-              <a:rPr lang="en-US" dirty="0" smtClean="0"/>
+              <a:rPr lang="en-US" dirty="0"/>
               <a:t>Dep/Div.</a:t>
             </a:r>
           </a:p>
           <a:p>
             <a:pPr lvl="1"/>
             <a:r>
-              <a:rPr lang="en-US" dirty="0" smtClean="0"/>
+              <a:rPr lang="en-US" dirty="0"/>
               <a:t>Experience</a:t>
             </a:r>
-            <a:endParaRPr lang="en-US" dirty="0"/>
           </a:p>
         </p:txBody>
       </p:sp>
@@ -4211,7 +4251,7 @@
           <a:p>
             <a:pPr algn="ctr"/>
             <a:r>
-              <a:rPr lang="en-US" sz="2800" b="1" dirty="0" smtClean="0">
+              <a:rPr lang="en-US" sz="2800" b="1" dirty="0">
                 <a:latin typeface="Segoe UI" panose="020B0502040204020203" pitchFamily="34" charset="0"/>
                 <a:ea typeface="Segoe UI" panose="020B0502040204020203" pitchFamily="34" charset="0"/>
                 <a:cs typeface="Segoe UI" panose="020B0502040204020203" pitchFamily="34" charset="0"/>
@@ -4219,7 +4259,7 @@
               <a:t>Guideline for </a:t>
             </a:r>
             <a:r>
-              <a:rPr lang="en-US" sz="2800" b="1" dirty="0" smtClean="0">
+              <a:rPr lang="en-US" sz="2800" b="1" dirty="0">
                 <a:solidFill>
                   <a:srgbClr val="FF0000"/>
                 </a:solidFill>
@@ -4229,14 +4269,6 @@
               </a:rPr>
               <a:t>Presentation</a:t>
             </a:r>
-            <a:endParaRPr lang="en-US" sz="2800" b="1" dirty="0">
-              <a:solidFill>
-                <a:srgbClr val="FF0000"/>
-              </a:solidFill>
-              <a:latin typeface="Segoe UI" panose="020B0502040204020203" pitchFamily="34" charset="0"/>
-              <a:ea typeface="Segoe UI" panose="020B0502040204020203" pitchFamily="34" charset="0"/>
-              <a:cs typeface="Segoe UI" panose="020B0502040204020203" pitchFamily="34" charset="0"/>
-            </a:endParaRPr>
           </a:p>
         </p:txBody>
       </p:sp>
@@ -4338,7 +4370,7 @@
           <a:p>
             <a:pPr algn="ctr"/>
             <a:r>
-              <a:rPr lang="en-US" sz="2800" b="1" dirty="0" smtClean="0">
+              <a:rPr lang="en-US" sz="2800" b="1" dirty="0">
                 <a:latin typeface="Segoe UI" panose="020B0502040204020203" pitchFamily="34" charset="0"/>
                 <a:ea typeface="Segoe UI" panose="020B0502040204020203" pitchFamily="34" charset="0"/>
                 <a:cs typeface="Segoe UI" panose="020B0502040204020203" pitchFamily="34" charset="0"/>
@@ -4346,7 +4378,7 @@
               <a:t>GOAL OF OJT </a:t>
             </a:r>
             <a:r>
-              <a:rPr lang="en-US" sz="2800" b="1" dirty="0" smtClean="0">
+              <a:rPr lang="en-US" sz="2800" b="1" dirty="0">
                 <a:solidFill>
                   <a:srgbClr val="FF0000"/>
                 </a:solidFill>
@@ -4356,7 +4388,7 @@
               </a:rPr>
               <a:t>3 YEARS</a:t>
             </a:r>
-            <a:endParaRPr lang="en-US" sz="2800" b="1" dirty="0" smtClean="0">
+            <a:endParaRPr lang="en-US" sz="2800" b="1" dirty="0">
               <a:latin typeface="Segoe UI" panose="020B0502040204020203" pitchFamily="34" charset="0"/>
               <a:ea typeface="Segoe UI" panose="020B0502040204020203" pitchFamily="34" charset="0"/>
               <a:cs typeface="Segoe UI" panose="020B0502040204020203" pitchFamily="34" charset="0"/>
@@ -4555,10 +4587,9 @@
           <a:p>
             <a:pPr algn="ctr"/>
             <a:r>
-              <a:rPr lang="en-US" dirty="0" smtClean="0"/>
+              <a:rPr lang="en-US" dirty="0"/>
               <a:t>Trainer</a:t>
             </a:r>
-            <a:endParaRPr lang="en-US" dirty="0"/>
           </a:p>
         </p:txBody>
       </p:sp>
@@ -4596,18 +4627,13 @@
           <a:lstStyle/>
           <a:p>
             <a:r>
-              <a:rPr lang="en-US" dirty="0" smtClean="0">
+              <a:rPr lang="en-US" dirty="0">
                 <a:latin typeface="Segoe UI" panose="020B0502040204020203" pitchFamily="34" charset="0"/>
                 <a:ea typeface="Segoe UI" panose="020B0502040204020203" pitchFamily="34" charset="0"/>
                 <a:cs typeface="Segoe UI" panose="020B0502040204020203" pitchFamily="34" charset="0"/>
               </a:rPr>
               <a:t>1. Goal of OJT 3 Year</a:t>
             </a:r>
-            <a:endParaRPr lang="en-US" dirty="0">
-              <a:latin typeface="Segoe UI" panose="020B0502040204020203" pitchFamily="34" charset="0"/>
-              <a:ea typeface="Segoe UI" panose="020B0502040204020203" pitchFamily="34" charset="0"/>
-              <a:cs typeface="Segoe UI" panose="020B0502040204020203" pitchFamily="34" charset="0"/>
-            </a:endParaRPr>
           </a:p>
         </p:txBody>
       </p:sp>
@@ -4667,13 +4693,6 @@
   <p:clrMapOvr>
     <a:masterClrMapping/>
   </p:clrMapOvr>
-  <p:timing>
-    <p:tnLst>
-      <p:par>
-        <p:cTn id="1" dur="indefinite" restart="never" nodeType="tmRoot"/>
-      </p:par>
-    </p:tnLst>
-  </p:timing>
 </p:sld>
 </file>
 
@@ -4762,7 +4781,7 @@
           <a:p>
             <a:pPr algn="ctr"/>
             <a:r>
-              <a:rPr lang="en-US" sz="2800" b="1" dirty="0" smtClean="0">
+              <a:rPr lang="en-US" sz="2800" b="1" dirty="0">
                 <a:latin typeface="Segoe UI" panose="020B0502040204020203" pitchFamily="34" charset="0"/>
                 <a:ea typeface="Segoe UI" panose="020B0502040204020203" pitchFamily="34" charset="0"/>
                 <a:cs typeface="Segoe UI" panose="020B0502040204020203" pitchFamily="34" charset="0"/>
@@ -4770,7 +4789,7 @@
               <a:t>EXPECTATION &amp; TARGET FOR 1</a:t>
             </a:r>
             <a:r>
-              <a:rPr lang="en-US" sz="2800" b="1" baseline="30000" dirty="0" smtClean="0">
+              <a:rPr lang="en-US" sz="2800" b="1" baseline="30000" dirty="0">
                 <a:latin typeface="Segoe UI" panose="020B0502040204020203" pitchFamily="34" charset="0"/>
                 <a:ea typeface="Segoe UI" panose="020B0502040204020203" pitchFamily="34" charset="0"/>
                 <a:cs typeface="Segoe UI" panose="020B0502040204020203" pitchFamily="34" charset="0"/>
@@ -4778,7 +4797,7 @@
               <a:t>ST</a:t>
             </a:r>
             <a:r>
-              <a:rPr lang="en-US" sz="2800" b="1" dirty="0" smtClean="0">
+              <a:rPr lang="en-US" sz="2800" b="1" dirty="0">
                 <a:latin typeface="Segoe UI" panose="020B0502040204020203" pitchFamily="34" charset="0"/>
                 <a:ea typeface="Segoe UI" panose="020B0502040204020203" pitchFamily="34" charset="0"/>
                 <a:cs typeface="Segoe UI" panose="020B0502040204020203" pitchFamily="34" charset="0"/>
@@ -4987,10 +5006,9 @@
           <a:p>
             <a:pPr algn="ctr"/>
             <a:r>
-              <a:rPr lang="en-US" dirty="0" smtClean="0"/>
+              <a:rPr lang="en-US" dirty="0"/>
               <a:t>Trainer</a:t>
             </a:r>
-            <a:endParaRPr lang="en-US" dirty="0"/>
           </a:p>
         </p:txBody>
       </p:sp>
@@ -5028,7 +5046,7 @@
           <a:lstStyle/>
           <a:p>
             <a:r>
-              <a:rPr lang="en-US" dirty="0" smtClean="0">
+              <a:rPr lang="en-US" dirty="0">
                 <a:latin typeface="Segoe UI" panose="020B0502040204020203" pitchFamily="34" charset="0"/>
                 <a:ea typeface="Segoe UI" panose="020B0502040204020203" pitchFamily="34" charset="0"/>
                 <a:cs typeface="Segoe UI" panose="020B0502040204020203" pitchFamily="34" charset="0"/>
@@ -5036,7 +5054,7 @@
               <a:t>2. Expectation &amp; Target of OJT 1</a:t>
             </a:r>
             <a:r>
-              <a:rPr lang="en-US" baseline="30000" dirty="0" smtClean="0">
+              <a:rPr lang="en-US" baseline="30000" dirty="0">
                 <a:latin typeface="Segoe UI" panose="020B0502040204020203" pitchFamily="34" charset="0"/>
                 <a:ea typeface="Segoe UI" panose="020B0502040204020203" pitchFamily="34" charset="0"/>
                 <a:cs typeface="Segoe UI" panose="020B0502040204020203" pitchFamily="34" charset="0"/>
@@ -5044,18 +5062,13 @@
               <a:t>st</a:t>
             </a:r>
             <a:r>
-              <a:rPr lang="en-US" dirty="0" smtClean="0">
+              <a:rPr lang="en-US" dirty="0">
                 <a:latin typeface="Segoe UI" panose="020B0502040204020203" pitchFamily="34" charset="0"/>
                 <a:ea typeface="Segoe UI" panose="020B0502040204020203" pitchFamily="34" charset="0"/>
                 <a:cs typeface="Segoe UI" panose="020B0502040204020203" pitchFamily="34" charset="0"/>
               </a:rPr>
               <a:t> year plan</a:t>
             </a:r>
-            <a:endParaRPr lang="en-US" dirty="0">
-              <a:latin typeface="Segoe UI" panose="020B0502040204020203" pitchFamily="34" charset="0"/>
-              <a:ea typeface="Segoe UI" panose="020B0502040204020203" pitchFamily="34" charset="0"/>
-              <a:cs typeface="Segoe UI" panose="020B0502040204020203" pitchFamily="34" charset="0"/>
-            </a:endParaRPr>
           </a:p>
         </p:txBody>
       </p:sp>
@@ -5151,7 +5164,7 @@
           <a:p>
             <a:pPr algn="ctr"/>
             <a:r>
-              <a:rPr lang="en-US" dirty="0" smtClean="0">
+              <a:rPr lang="en-US" dirty="0">
                 <a:solidFill>
                   <a:schemeClr val="tx1"/>
                 </a:solidFill>
@@ -5161,14 +5174,6 @@
               </a:rPr>
               <a:t>Expectation</a:t>
             </a:r>
-            <a:endParaRPr lang="en-US" dirty="0">
-              <a:solidFill>
-                <a:schemeClr val="tx1"/>
-              </a:solidFill>
-              <a:latin typeface="Segoe UI" panose="020B0502040204020203" pitchFamily="34" charset="0"/>
-              <a:ea typeface="Segoe UI" panose="020B0502040204020203" pitchFamily="34" charset="0"/>
-              <a:cs typeface="Segoe UI" panose="020B0502040204020203" pitchFamily="34" charset="0"/>
-            </a:endParaRPr>
           </a:p>
         </p:txBody>
       </p:sp>
@@ -5218,7 +5223,7 @@
           <a:p>
             <a:pPr algn="ctr"/>
             <a:r>
-              <a:rPr lang="en-US" dirty="0" smtClean="0">
+              <a:rPr lang="en-US" dirty="0">
                 <a:solidFill>
                   <a:schemeClr val="tx1"/>
                 </a:solidFill>
@@ -5228,14 +5233,6 @@
               </a:rPr>
               <a:t>Target</a:t>
             </a:r>
-            <a:endParaRPr lang="en-US" dirty="0">
-              <a:solidFill>
-                <a:schemeClr val="tx1"/>
-              </a:solidFill>
-              <a:latin typeface="Segoe UI" panose="020B0502040204020203" pitchFamily="34" charset="0"/>
-              <a:ea typeface="Segoe UI" panose="020B0502040204020203" pitchFamily="34" charset="0"/>
-              <a:cs typeface="Segoe UI" panose="020B0502040204020203" pitchFamily="34" charset="0"/>
-            </a:endParaRPr>
           </a:p>
         </p:txBody>
       </p:sp>
@@ -5249,13 +5246,6 @@
   <p:clrMapOvr>
     <a:masterClrMapping/>
   </p:clrMapOvr>
-  <p:timing>
-    <p:tnLst>
-      <p:par>
-        <p:cTn id="1" dur="indefinite" restart="never" nodeType="tmRoot"/>
-      </p:par>
-    </p:tnLst>
-  </p:timing>
 </p:sld>
 </file>
 
@@ -5344,7 +5334,7 @@
           <a:p>
             <a:pPr algn="ctr"/>
             <a:r>
-              <a:rPr lang="en-US" sz="2800" b="1" dirty="0" smtClean="0">
+              <a:rPr lang="en-US" sz="2800" b="1" dirty="0">
                 <a:latin typeface="Segoe UI" panose="020B0502040204020203" pitchFamily="34" charset="0"/>
                 <a:ea typeface="Segoe UI" panose="020B0502040204020203" pitchFamily="34" charset="0"/>
                 <a:cs typeface="Segoe UI" panose="020B0502040204020203" pitchFamily="34" charset="0"/>
@@ -5553,10 +5543,9 @@
           <a:p>
             <a:pPr algn="ctr"/>
             <a:r>
-              <a:rPr lang="en-US" dirty="0" smtClean="0"/>
+              <a:rPr lang="en-US" dirty="0"/>
               <a:t>Trainer</a:t>
             </a:r>
-            <a:endParaRPr lang="en-US" dirty="0"/>
           </a:p>
         </p:txBody>
       </p:sp>
@@ -5594,7 +5583,7 @@
           <a:lstStyle/>
           <a:p>
             <a:r>
-              <a:rPr lang="en-US" dirty="0" smtClean="0">
+              <a:rPr lang="en-US" dirty="0">
                 <a:latin typeface="Segoe UI" panose="020B0502040204020203" pitchFamily="34" charset="0"/>
                 <a:ea typeface="Segoe UI" panose="020B0502040204020203" pitchFamily="34" charset="0"/>
                 <a:cs typeface="Segoe UI" panose="020B0502040204020203" pitchFamily="34" charset="0"/>
@@ -5602,7 +5591,7 @@
               <a:t>3. OJT Action plan &amp; Result of 1</a:t>
             </a:r>
             <a:r>
-              <a:rPr lang="en-US" baseline="30000" dirty="0" smtClean="0">
+              <a:rPr lang="en-US" baseline="30000" dirty="0">
                 <a:latin typeface="Segoe UI" panose="020B0502040204020203" pitchFamily="34" charset="0"/>
                 <a:ea typeface="Segoe UI" panose="020B0502040204020203" pitchFamily="34" charset="0"/>
                 <a:cs typeface="Segoe UI" panose="020B0502040204020203" pitchFamily="34" charset="0"/>
@@ -5610,18 +5599,13 @@
               <a:t>st</a:t>
             </a:r>
             <a:r>
-              <a:rPr lang="en-US" dirty="0" smtClean="0">
+              <a:rPr lang="en-US" dirty="0">
                 <a:latin typeface="Segoe UI" panose="020B0502040204020203" pitchFamily="34" charset="0"/>
                 <a:ea typeface="Segoe UI" panose="020B0502040204020203" pitchFamily="34" charset="0"/>
                 <a:cs typeface="Segoe UI" panose="020B0502040204020203" pitchFamily="34" charset="0"/>
               </a:rPr>
               <a:t> year</a:t>
             </a:r>
-            <a:endParaRPr lang="en-US" dirty="0">
-              <a:latin typeface="Segoe UI" panose="020B0502040204020203" pitchFamily="34" charset="0"/>
-              <a:ea typeface="Segoe UI" panose="020B0502040204020203" pitchFamily="34" charset="0"/>
-              <a:cs typeface="Segoe UI" panose="020B0502040204020203" pitchFamily="34" charset="0"/>
-            </a:endParaRPr>
           </a:p>
         </p:txBody>
       </p:sp>
@@ -5779,18 +5763,13 @@
                     <a:p>
                       <a:pPr algn="ctr"/>
                       <a:r>
-                        <a:rPr lang="en-US" sz="1100" dirty="0" smtClean="0">
+                        <a:rPr lang="en-US" sz="1100" dirty="0">
                           <a:latin typeface="Segoe UI" panose="020B0502040204020203" pitchFamily="34" charset="0"/>
                           <a:ea typeface="Segoe UI" panose="020B0502040204020203" pitchFamily="34" charset="0"/>
                           <a:cs typeface="Segoe UI" panose="020B0502040204020203" pitchFamily="34" charset="0"/>
                         </a:rPr>
                         <a:t>Topics</a:t>
                       </a:r>
-                      <a:endParaRPr lang="en-US" sz="1100" dirty="0">
-                        <a:latin typeface="Segoe UI" panose="020B0502040204020203" pitchFamily="34" charset="0"/>
-                        <a:ea typeface="Segoe UI" panose="020B0502040204020203" pitchFamily="34" charset="0"/>
-                        <a:cs typeface="Segoe UI" panose="020B0502040204020203" pitchFamily="34" charset="0"/>
-                      </a:endParaRPr>
                     </a:p>
                   </a:txBody>
                   <a:tcPr anchor="ctr"/>
@@ -5802,18 +5781,13 @@
                     <a:p>
                       <a:pPr algn="ctr"/>
                       <a:r>
-                        <a:rPr lang="en-US" sz="1100" dirty="0" smtClean="0">
+                        <a:rPr lang="en-US" sz="1100" dirty="0">
                           <a:latin typeface="Segoe UI" panose="020B0502040204020203" pitchFamily="34" charset="0"/>
                           <a:ea typeface="Segoe UI" panose="020B0502040204020203" pitchFamily="34" charset="0"/>
                           <a:cs typeface="Segoe UI" panose="020B0502040204020203" pitchFamily="34" charset="0"/>
                         </a:rPr>
                         <a:t>Aug</a:t>
                       </a:r>
-                      <a:endParaRPr lang="en-US" sz="1100" dirty="0">
-                        <a:latin typeface="Segoe UI" panose="020B0502040204020203" pitchFamily="34" charset="0"/>
-                        <a:ea typeface="Segoe UI" panose="020B0502040204020203" pitchFamily="34" charset="0"/>
-                        <a:cs typeface="Segoe UI" panose="020B0502040204020203" pitchFamily="34" charset="0"/>
-                      </a:endParaRPr>
                     </a:p>
                   </a:txBody>
                   <a:tcPr marL="9144" marR="9144" marT="9144" marB="9144" anchor="ctr"/>
@@ -5825,18 +5799,13 @@
                     <a:p>
                       <a:pPr algn="ctr"/>
                       <a:r>
-                        <a:rPr lang="en-US" sz="1100" dirty="0" smtClean="0">
+                        <a:rPr lang="en-US" sz="1100" dirty="0">
                           <a:latin typeface="Segoe UI" panose="020B0502040204020203" pitchFamily="34" charset="0"/>
                           <a:ea typeface="Segoe UI" panose="020B0502040204020203" pitchFamily="34" charset="0"/>
                           <a:cs typeface="Segoe UI" panose="020B0502040204020203" pitchFamily="34" charset="0"/>
                         </a:rPr>
                         <a:t>Sep</a:t>
                       </a:r>
-                      <a:endParaRPr lang="en-US" sz="1100" dirty="0">
-                        <a:latin typeface="Segoe UI" panose="020B0502040204020203" pitchFamily="34" charset="0"/>
-                        <a:ea typeface="Segoe UI" panose="020B0502040204020203" pitchFamily="34" charset="0"/>
-                        <a:cs typeface="Segoe UI" panose="020B0502040204020203" pitchFamily="34" charset="0"/>
-                      </a:endParaRPr>
                     </a:p>
                   </a:txBody>
                   <a:tcPr marL="9144" marR="9144" marT="9144" marB="9144" anchor="ctr"/>
@@ -5848,18 +5817,13 @@
                     <a:p>
                       <a:pPr algn="ctr"/>
                       <a:r>
-                        <a:rPr lang="en-US" sz="1100" dirty="0" smtClean="0">
+                        <a:rPr lang="en-US" sz="1100" dirty="0">
                           <a:latin typeface="Segoe UI" panose="020B0502040204020203" pitchFamily="34" charset="0"/>
                           <a:ea typeface="Segoe UI" panose="020B0502040204020203" pitchFamily="34" charset="0"/>
                           <a:cs typeface="Segoe UI" panose="020B0502040204020203" pitchFamily="34" charset="0"/>
                         </a:rPr>
                         <a:t>Oct</a:t>
                       </a:r>
-                      <a:endParaRPr lang="en-US" sz="1100" dirty="0">
-                        <a:latin typeface="Segoe UI" panose="020B0502040204020203" pitchFamily="34" charset="0"/>
-                        <a:ea typeface="Segoe UI" panose="020B0502040204020203" pitchFamily="34" charset="0"/>
-                        <a:cs typeface="Segoe UI" panose="020B0502040204020203" pitchFamily="34" charset="0"/>
-                      </a:endParaRPr>
                     </a:p>
                   </a:txBody>
                   <a:tcPr marL="9144" marR="9144" marT="9144" marB="9144" anchor="ctr"/>
@@ -5871,18 +5835,13 @@
                     <a:p>
                       <a:pPr algn="ctr"/>
                       <a:r>
-                        <a:rPr lang="en-US" sz="1100" dirty="0" smtClean="0">
+                        <a:rPr lang="en-US" sz="1100" dirty="0">
                           <a:latin typeface="Segoe UI" panose="020B0502040204020203" pitchFamily="34" charset="0"/>
                           <a:ea typeface="Segoe UI" panose="020B0502040204020203" pitchFamily="34" charset="0"/>
                           <a:cs typeface="Segoe UI" panose="020B0502040204020203" pitchFamily="34" charset="0"/>
                         </a:rPr>
                         <a:t>Nov</a:t>
                       </a:r>
-                      <a:endParaRPr lang="en-US" sz="1100" dirty="0">
-                        <a:latin typeface="Segoe UI" panose="020B0502040204020203" pitchFamily="34" charset="0"/>
-                        <a:ea typeface="Segoe UI" panose="020B0502040204020203" pitchFamily="34" charset="0"/>
-                        <a:cs typeface="Segoe UI" panose="020B0502040204020203" pitchFamily="34" charset="0"/>
-                      </a:endParaRPr>
                     </a:p>
                   </a:txBody>
                   <a:tcPr marL="9144" marR="9144" marT="9144" marB="9144" anchor="ctr"/>
@@ -5894,18 +5853,13 @@
                     <a:p>
                       <a:pPr algn="ctr"/>
                       <a:r>
-                        <a:rPr lang="en-US" sz="1100" dirty="0" smtClean="0">
+                        <a:rPr lang="en-US" sz="1100" dirty="0">
                           <a:latin typeface="Segoe UI" panose="020B0502040204020203" pitchFamily="34" charset="0"/>
                           <a:ea typeface="Segoe UI" panose="020B0502040204020203" pitchFamily="34" charset="0"/>
                           <a:cs typeface="Segoe UI" panose="020B0502040204020203" pitchFamily="34" charset="0"/>
                         </a:rPr>
                         <a:t>Dec</a:t>
                       </a:r>
-                      <a:endParaRPr lang="en-US" sz="1100" dirty="0">
-                        <a:latin typeface="Segoe UI" panose="020B0502040204020203" pitchFamily="34" charset="0"/>
-                        <a:ea typeface="Segoe UI" panose="020B0502040204020203" pitchFamily="34" charset="0"/>
-                        <a:cs typeface="Segoe UI" panose="020B0502040204020203" pitchFamily="34" charset="0"/>
-                      </a:endParaRPr>
                     </a:p>
                   </a:txBody>
                   <a:tcPr marL="9144" marR="9144" marT="9144" marB="9144" anchor="ctr"/>
@@ -5917,18 +5871,13 @@
                     <a:p>
                       <a:pPr algn="ctr"/>
                       <a:r>
-                        <a:rPr lang="en-US" sz="1100" dirty="0" smtClean="0">
+                        <a:rPr lang="en-US" sz="1100" dirty="0">
                           <a:latin typeface="Segoe UI" panose="020B0502040204020203" pitchFamily="34" charset="0"/>
                           <a:ea typeface="Segoe UI" panose="020B0502040204020203" pitchFamily="34" charset="0"/>
                           <a:cs typeface="Segoe UI" panose="020B0502040204020203" pitchFamily="34" charset="0"/>
                         </a:rPr>
                         <a:t>Jan</a:t>
                       </a:r>
-                      <a:endParaRPr lang="en-US" sz="1100" dirty="0">
-                        <a:latin typeface="Segoe UI" panose="020B0502040204020203" pitchFamily="34" charset="0"/>
-                        <a:ea typeface="Segoe UI" panose="020B0502040204020203" pitchFamily="34" charset="0"/>
-                        <a:cs typeface="Segoe UI" panose="020B0502040204020203" pitchFamily="34" charset="0"/>
-                      </a:endParaRPr>
                     </a:p>
                   </a:txBody>
                   <a:tcPr marL="9144" marR="9144" marT="9144" marB="9144" anchor="ctr"/>
@@ -5940,18 +5889,13 @@
                     <a:p>
                       <a:pPr algn="ctr"/>
                       <a:r>
-                        <a:rPr lang="en-US" sz="1100" dirty="0" smtClean="0">
+                        <a:rPr lang="en-US" sz="1100" dirty="0">
                           <a:latin typeface="Segoe UI" panose="020B0502040204020203" pitchFamily="34" charset="0"/>
                           <a:ea typeface="Segoe UI" panose="020B0502040204020203" pitchFamily="34" charset="0"/>
                           <a:cs typeface="Segoe UI" panose="020B0502040204020203" pitchFamily="34" charset="0"/>
                         </a:rPr>
                         <a:t>Feb</a:t>
                       </a:r>
-                      <a:endParaRPr lang="en-US" sz="1100" dirty="0">
-                        <a:latin typeface="Segoe UI" panose="020B0502040204020203" pitchFamily="34" charset="0"/>
-                        <a:ea typeface="Segoe UI" panose="020B0502040204020203" pitchFamily="34" charset="0"/>
-                        <a:cs typeface="Segoe UI" panose="020B0502040204020203" pitchFamily="34" charset="0"/>
-                      </a:endParaRPr>
                     </a:p>
                   </a:txBody>
                   <a:tcPr marL="9144" marR="9144" marT="9144" marB="9144" anchor="ctr"/>
@@ -5963,18 +5907,13 @@
                     <a:p>
                       <a:pPr algn="ctr"/>
                       <a:r>
-                        <a:rPr lang="en-US" sz="1100" dirty="0" smtClean="0">
+                        <a:rPr lang="en-US" sz="1100" dirty="0">
                           <a:latin typeface="Segoe UI" panose="020B0502040204020203" pitchFamily="34" charset="0"/>
                           <a:ea typeface="Segoe UI" panose="020B0502040204020203" pitchFamily="34" charset="0"/>
                           <a:cs typeface="Segoe UI" panose="020B0502040204020203" pitchFamily="34" charset="0"/>
                         </a:rPr>
                         <a:t>Mar</a:t>
                       </a:r>
-                      <a:endParaRPr lang="en-US" sz="1100" dirty="0">
-                        <a:latin typeface="Segoe UI" panose="020B0502040204020203" pitchFamily="34" charset="0"/>
-                        <a:ea typeface="Segoe UI" panose="020B0502040204020203" pitchFamily="34" charset="0"/>
-                        <a:cs typeface="Segoe UI" panose="020B0502040204020203" pitchFamily="34" charset="0"/>
-                      </a:endParaRPr>
                     </a:p>
                   </a:txBody>
                   <a:tcPr marL="9144" marR="9144" marT="9144" marB="9144" anchor="ctr"/>
@@ -5986,18 +5925,13 @@
                     <a:p>
                       <a:pPr algn="ctr"/>
                       <a:r>
-                        <a:rPr lang="en-US" sz="1100" dirty="0" smtClean="0">
+                        <a:rPr lang="en-US" sz="1100" dirty="0">
                           <a:latin typeface="Segoe UI" panose="020B0502040204020203" pitchFamily="34" charset="0"/>
                           <a:ea typeface="Segoe UI" panose="020B0502040204020203" pitchFamily="34" charset="0"/>
                           <a:cs typeface="Segoe UI" panose="020B0502040204020203" pitchFamily="34" charset="0"/>
                         </a:rPr>
                         <a:t>Apr</a:t>
                       </a:r>
-                      <a:endParaRPr lang="en-US" sz="1100" dirty="0">
-                        <a:latin typeface="Segoe UI" panose="020B0502040204020203" pitchFamily="34" charset="0"/>
-                        <a:ea typeface="Segoe UI" panose="020B0502040204020203" pitchFamily="34" charset="0"/>
-                        <a:cs typeface="Segoe UI" panose="020B0502040204020203" pitchFamily="34" charset="0"/>
-                      </a:endParaRPr>
                     </a:p>
                   </a:txBody>
                   <a:tcPr marL="9144" marR="9144" marT="9144" marB="9144" anchor="ctr"/>
@@ -6009,18 +5943,13 @@
                     <a:p>
                       <a:pPr algn="ctr"/>
                       <a:r>
-                        <a:rPr lang="en-US" sz="1100" dirty="0" smtClean="0">
+                        <a:rPr lang="en-US" sz="1100" dirty="0">
                           <a:latin typeface="Segoe UI" panose="020B0502040204020203" pitchFamily="34" charset="0"/>
                           <a:ea typeface="Segoe UI" panose="020B0502040204020203" pitchFamily="34" charset="0"/>
                           <a:cs typeface="Segoe UI" panose="020B0502040204020203" pitchFamily="34" charset="0"/>
                         </a:rPr>
                         <a:t>May</a:t>
                       </a:r>
-                      <a:endParaRPr lang="en-US" sz="1100" dirty="0">
-                        <a:latin typeface="Segoe UI" panose="020B0502040204020203" pitchFamily="34" charset="0"/>
-                        <a:ea typeface="Segoe UI" panose="020B0502040204020203" pitchFamily="34" charset="0"/>
-                        <a:cs typeface="Segoe UI" panose="020B0502040204020203" pitchFamily="34" charset="0"/>
-                      </a:endParaRPr>
                     </a:p>
                   </a:txBody>
                   <a:tcPr marL="9144" marR="9144" marT="9144" marB="9144" anchor="ctr"/>
@@ -6032,18 +5961,13 @@
                     <a:p>
                       <a:pPr algn="ctr"/>
                       <a:r>
-                        <a:rPr lang="en-US" sz="1100" dirty="0" smtClean="0">
+                        <a:rPr lang="en-US" sz="1100" dirty="0">
                           <a:latin typeface="Segoe UI" panose="020B0502040204020203" pitchFamily="34" charset="0"/>
                           <a:ea typeface="Segoe UI" panose="020B0502040204020203" pitchFamily="34" charset="0"/>
                           <a:cs typeface="Segoe UI" panose="020B0502040204020203" pitchFamily="34" charset="0"/>
                         </a:rPr>
                         <a:t>Jun</a:t>
                       </a:r>
-                      <a:endParaRPr lang="en-US" sz="1100" dirty="0">
-                        <a:latin typeface="Segoe UI" panose="020B0502040204020203" pitchFamily="34" charset="0"/>
-                        <a:ea typeface="Segoe UI" panose="020B0502040204020203" pitchFamily="34" charset="0"/>
-                        <a:cs typeface="Segoe UI" panose="020B0502040204020203" pitchFamily="34" charset="0"/>
-                      </a:endParaRPr>
                     </a:p>
                   </a:txBody>
                   <a:tcPr marL="9144" marR="9144" marT="9144" marB="9144" anchor="ctr"/>
@@ -6055,18 +5979,13 @@
                     <a:p>
                       <a:pPr algn="ctr"/>
                       <a:r>
-                        <a:rPr lang="en-US" sz="1100" dirty="0" smtClean="0">
+                        <a:rPr lang="en-US" sz="1100" dirty="0">
                           <a:latin typeface="Segoe UI" panose="020B0502040204020203" pitchFamily="34" charset="0"/>
                           <a:ea typeface="Segoe UI" panose="020B0502040204020203" pitchFamily="34" charset="0"/>
                           <a:cs typeface="Segoe UI" panose="020B0502040204020203" pitchFamily="34" charset="0"/>
                         </a:rPr>
                         <a:t>Jul</a:t>
                       </a:r>
-                      <a:endParaRPr lang="en-US" sz="1100" dirty="0">
-                        <a:latin typeface="Segoe UI" panose="020B0502040204020203" pitchFamily="34" charset="0"/>
-                        <a:ea typeface="Segoe UI" panose="020B0502040204020203" pitchFamily="34" charset="0"/>
-                        <a:cs typeface="Segoe UI" panose="020B0502040204020203" pitchFamily="34" charset="0"/>
-                      </a:endParaRPr>
                     </a:p>
                   </a:txBody>
                   <a:tcPr marL="9144" marR="9144" marT="9144" marB="9144" anchor="ctr"/>
@@ -6078,18 +5997,13 @@
                     <a:p>
                       <a:pPr algn="ctr"/>
                       <a:r>
-                        <a:rPr lang="en-US" sz="1100" dirty="0" smtClean="0">
+                        <a:rPr lang="en-US" sz="1100" dirty="0">
                           <a:latin typeface="Segoe UI" panose="020B0502040204020203" pitchFamily="34" charset="0"/>
                           <a:ea typeface="Segoe UI" panose="020B0502040204020203" pitchFamily="34" charset="0"/>
                           <a:cs typeface="Segoe UI" panose="020B0502040204020203" pitchFamily="34" charset="0"/>
                         </a:rPr>
                         <a:t>Aug</a:t>
                       </a:r>
-                      <a:endParaRPr lang="en-US" sz="1100" dirty="0">
-                        <a:latin typeface="Segoe UI" panose="020B0502040204020203" pitchFamily="34" charset="0"/>
-                        <a:ea typeface="Segoe UI" panose="020B0502040204020203" pitchFamily="34" charset="0"/>
-                        <a:cs typeface="Segoe UI" panose="020B0502040204020203" pitchFamily="34" charset="0"/>
-                      </a:endParaRPr>
                     </a:p>
                   </a:txBody>
                   <a:tcPr marL="9144" marR="9144" marT="9144" marB="9144" anchor="ctr"/>
@@ -6107,18 +6021,13 @@
                     <a:lstStyle/>
                     <a:p>
                       <a:r>
-                        <a:rPr lang="en-US" sz="1100" dirty="0" smtClean="0">
+                        <a:rPr lang="en-US" sz="1100" dirty="0">
                           <a:latin typeface="Segoe UI" panose="020B0502040204020203" pitchFamily="34" charset="0"/>
                           <a:ea typeface="Segoe UI" panose="020B0502040204020203" pitchFamily="34" charset="0"/>
                           <a:cs typeface="Segoe UI" panose="020B0502040204020203" pitchFamily="34" charset="0"/>
                         </a:rPr>
                         <a:t>P</a:t>
                       </a:r>
-                      <a:endParaRPr lang="en-US" sz="1100" dirty="0">
-                        <a:latin typeface="Segoe UI" panose="020B0502040204020203" pitchFamily="34" charset="0"/>
-                        <a:ea typeface="Segoe UI" panose="020B0502040204020203" pitchFamily="34" charset="0"/>
-                        <a:cs typeface="Segoe UI" panose="020B0502040204020203" pitchFamily="34" charset="0"/>
-                      </a:endParaRPr>
                     </a:p>
                   </a:txBody>
                   <a:tcPr/>
@@ -6332,18 +6241,13 @@
                     <a:lstStyle/>
                     <a:p>
                       <a:r>
-                        <a:rPr lang="en-US" sz="1100" dirty="0" smtClean="0">
+                        <a:rPr lang="en-US" sz="1100" dirty="0">
                           <a:latin typeface="Segoe UI" panose="020B0502040204020203" pitchFamily="34" charset="0"/>
                           <a:ea typeface="Segoe UI" panose="020B0502040204020203" pitchFamily="34" charset="0"/>
                           <a:cs typeface="Segoe UI" panose="020B0502040204020203" pitchFamily="34" charset="0"/>
                         </a:rPr>
                         <a:t>D</a:t>
                       </a:r>
-                      <a:endParaRPr lang="en-US" sz="1100" dirty="0">
-                        <a:latin typeface="Segoe UI" panose="020B0502040204020203" pitchFamily="34" charset="0"/>
-                        <a:ea typeface="Segoe UI" panose="020B0502040204020203" pitchFamily="34" charset="0"/>
-                        <a:cs typeface="Segoe UI" panose="020B0502040204020203" pitchFamily="34" charset="0"/>
-                      </a:endParaRPr>
                     </a:p>
                   </a:txBody>
                   <a:tcPr/>
@@ -6557,18 +6461,13 @@
                     <a:lstStyle/>
                     <a:p>
                       <a:r>
-                        <a:rPr lang="en-US" sz="1100" dirty="0" smtClean="0">
+                        <a:rPr lang="en-US" sz="1100" dirty="0">
                           <a:latin typeface="Segoe UI" panose="020B0502040204020203" pitchFamily="34" charset="0"/>
                           <a:ea typeface="Segoe UI" panose="020B0502040204020203" pitchFamily="34" charset="0"/>
                           <a:cs typeface="Segoe UI" panose="020B0502040204020203" pitchFamily="34" charset="0"/>
                         </a:rPr>
                         <a:t>C</a:t>
                       </a:r>
-                      <a:endParaRPr lang="en-US" sz="1100" dirty="0">
-                        <a:latin typeface="Segoe UI" panose="020B0502040204020203" pitchFamily="34" charset="0"/>
-                        <a:ea typeface="Segoe UI" panose="020B0502040204020203" pitchFamily="34" charset="0"/>
-                        <a:cs typeface="Segoe UI" panose="020B0502040204020203" pitchFamily="34" charset="0"/>
-                      </a:endParaRPr>
                     </a:p>
                   </a:txBody>
                   <a:tcPr/>
@@ -6782,18 +6681,13 @@
                     <a:lstStyle/>
                     <a:p>
                       <a:r>
-                        <a:rPr lang="en-US" sz="1100" dirty="0" smtClean="0">
+                        <a:rPr lang="en-US" sz="1100" dirty="0">
                           <a:latin typeface="Segoe UI" panose="020B0502040204020203" pitchFamily="34" charset="0"/>
                           <a:ea typeface="Segoe UI" panose="020B0502040204020203" pitchFamily="34" charset="0"/>
                           <a:cs typeface="Segoe UI" panose="020B0502040204020203" pitchFamily="34" charset="0"/>
                         </a:rPr>
                         <a:t>A</a:t>
                       </a:r>
-                      <a:endParaRPr lang="en-US" sz="1100" dirty="0">
-                        <a:latin typeface="Segoe UI" panose="020B0502040204020203" pitchFamily="34" charset="0"/>
-                        <a:ea typeface="Segoe UI" panose="020B0502040204020203" pitchFamily="34" charset="0"/>
-                        <a:cs typeface="Segoe UI" panose="020B0502040204020203" pitchFamily="34" charset="0"/>
-                      </a:endParaRPr>
                     </a:p>
                   </a:txBody>
                   <a:tcPr/>
@@ -7096,7 +6990,7 @@
           <a:p>
             <a:pPr algn="ctr"/>
             <a:r>
-              <a:rPr lang="en-US" dirty="0" smtClean="0">
+              <a:rPr lang="en-US" dirty="0">
                 <a:solidFill>
                   <a:schemeClr val="tx1"/>
                 </a:solidFill>
@@ -7106,14 +7000,6 @@
               </a:rPr>
               <a:t>Result</a:t>
             </a:r>
-            <a:endParaRPr lang="en-US" dirty="0">
-              <a:solidFill>
-                <a:schemeClr val="tx1"/>
-              </a:solidFill>
-              <a:latin typeface="Segoe UI" panose="020B0502040204020203" pitchFamily="34" charset="0"/>
-              <a:ea typeface="Segoe UI" panose="020B0502040204020203" pitchFamily="34" charset="0"/>
-              <a:cs typeface="Segoe UI" panose="020B0502040204020203" pitchFamily="34" charset="0"/>
-            </a:endParaRPr>
           </a:p>
         </p:txBody>
       </p:sp>
@@ -7127,13 +7013,6 @@
   <p:clrMapOvr>
     <a:masterClrMapping/>
   </p:clrMapOvr>
-  <p:timing>
-    <p:tnLst>
-      <p:par>
-        <p:cTn id="1" dur="indefinite" restart="never" nodeType="tmRoot"/>
-      </p:par>
-    </p:tnLst>
-  </p:timing>
 </p:sld>
 </file>
 
@@ -7222,7 +7101,7 @@
           <a:p>
             <a:pPr algn="ctr"/>
             <a:r>
-              <a:rPr lang="en-US" sz="2800" b="1" dirty="0" smtClean="0">
+              <a:rPr lang="en-US" sz="2800" b="1" dirty="0">
                 <a:latin typeface="Segoe UI" panose="020B0502040204020203" pitchFamily="34" charset="0"/>
                 <a:ea typeface="Segoe UI" panose="020B0502040204020203" pitchFamily="34" charset="0"/>
                 <a:cs typeface="Segoe UI" panose="020B0502040204020203" pitchFamily="34" charset="0"/>
@@ -7431,10 +7310,9 @@
           <a:p>
             <a:pPr algn="ctr"/>
             <a:r>
-              <a:rPr lang="en-US" dirty="0" smtClean="0"/>
+              <a:rPr lang="en-US" dirty="0"/>
               <a:t>Trainee</a:t>
             </a:r>
-            <a:endParaRPr lang="en-US" dirty="0"/>
           </a:p>
         </p:txBody>
       </p:sp>
@@ -7472,18 +7350,13 @@
           <a:lstStyle/>
           <a:p>
             <a:r>
-              <a:rPr lang="en-US" dirty="0" smtClean="0">
+              <a:rPr lang="en-US" dirty="0">
                 <a:latin typeface="Segoe UI" panose="020B0502040204020203" pitchFamily="34" charset="0"/>
                 <a:ea typeface="Segoe UI" panose="020B0502040204020203" pitchFamily="34" charset="0"/>
                 <a:cs typeface="Segoe UI" panose="020B0502040204020203" pitchFamily="34" charset="0"/>
               </a:rPr>
               <a:t>1. Responsibility and What is your learning contents (OJT result)</a:t>
             </a:r>
-            <a:endParaRPr lang="en-US" dirty="0">
-              <a:latin typeface="Segoe UI" panose="020B0502040204020203" pitchFamily="34" charset="0"/>
-              <a:ea typeface="Segoe UI" panose="020B0502040204020203" pitchFamily="34" charset="0"/>
-              <a:cs typeface="Segoe UI" panose="020B0502040204020203" pitchFamily="34" charset="0"/>
-            </a:endParaRPr>
           </a:p>
         </p:txBody>
       </p:sp>
@@ -7495,8 +7368,8 @@
         </p:nvSpPr>
         <p:spPr>
           <a:xfrm>
-            <a:off x="1066800" y="1524000"/>
-            <a:ext cx="8534400" cy="4572000"/>
+            <a:off x="838200" y="1524000"/>
+            <a:ext cx="8763000" cy="4572000"/>
           </a:xfrm>
           <a:prstGeom prst="roundRect">
             <a:avLst/>
@@ -7541,8 +7414,8 @@
         </p:nvSpPr>
         <p:spPr>
           <a:xfrm>
-            <a:off x="1447800" y="1828800"/>
-            <a:ext cx="3124200" cy="381000"/>
+            <a:off x="1371600" y="1828800"/>
+            <a:ext cx="3124200" cy="533400"/>
           </a:xfrm>
           <a:prstGeom prst="roundRect">
             <a:avLst/>
@@ -7579,7 +7452,7 @@
           <a:p>
             <a:pPr algn="ctr"/>
             <a:r>
-              <a:rPr lang="en-US" dirty="0" smtClean="0">
+              <a:rPr lang="en-US" dirty="0">
                 <a:solidFill>
                   <a:schemeClr val="tx1"/>
                 </a:solidFill>
@@ -7589,14 +7462,6 @@
               </a:rPr>
               <a:t>Job assignment &amp; Responsibility</a:t>
             </a:r>
-            <a:endParaRPr lang="en-US" dirty="0">
-              <a:solidFill>
-                <a:schemeClr val="tx1"/>
-              </a:solidFill>
-              <a:latin typeface="Segoe UI" panose="020B0502040204020203" pitchFamily="34" charset="0"/>
-              <a:ea typeface="Segoe UI" panose="020B0502040204020203" pitchFamily="34" charset="0"/>
-              <a:cs typeface="Segoe UI" panose="020B0502040204020203" pitchFamily="34" charset="0"/>
-            </a:endParaRPr>
           </a:p>
         </p:txBody>
       </p:sp>
@@ -7608,8 +7473,8 @@
         </p:nvSpPr>
         <p:spPr>
           <a:xfrm>
-            <a:off x="5105400" y="1828800"/>
-            <a:ext cx="3733800" cy="381000"/>
+            <a:off x="5181600" y="1828800"/>
+            <a:ext cx="3733800" cy="533400"/>
           </a:xfrm>
           <a:prstGeom prst="roundRect">
             <a:avLst/>
@@ -7646,7 +7511,7 @@
           <a:p>
             <a:pPr algn="ctr"/>
             <a:r>
-              <a:rPr lang="en-US" dirty="0" smtClean="0">
+              <a:rPr lang="en-US" dirty="0">
                 <a:solidFill>
                   <a:schemeClr val="tx1"/>
                 </a:solidFill>
@@ -7656,14 +7521,141 @@
               </a:rPr>
               <a:t>Learning contents </a:t>
             </a:r>
-            <a:endParaRPr lang="en-US" dirty="0">
-              <a:solidFill>
-                <a:schemeClr val="tx1"/>
-              </a:solidFill>
-              <a:latin typeface="Segoe UI" panose="020B0502040204020203" pitchFamily="34" charset="0"/>
-              <a:ea typeface="Segoe UI" panose="020B0502040204020203" pitchFamily="34" charset="0"/>
-              <a:cs typeface="Segoe UI" panose="020B0502040204020203" pitchFamily="34" charset="0"/>
-            </a:endParaRPr>
+          </a:p>
+        </p:txBody>
+      </p:sp>
+      <p:sp>
+        <p:nvSpPr>
+          <p:cNvPr id="3" name="Rectangle 2"/>
+          <p:cNvSpPr/>
+          <p:nvPr/>
+        </p:nvSpPr>
+        <p:spPr>
+          <a:xfrm>
+            <a:off x="990600" y="2590800"/>
+            <a:ext cx="3810000" cy="2031325"/>
+          </a:xfrm>
+          <a:prstGeom prst="rect">
+            <a:avLst/>
+          </a:prstGeom>
+          <a:solidFill>
+            <a:schemeClr val="accent3">
+              <a:lumMod val="20000"/>
+              <a:lumOff val="80000"/>
+            </a:schemeClr>
+          </a:solidFill>
+          <a:ln>
+            <a:solidFill>
+              <a:schemeClr val="tx1">
+                <a:lumMod val="85000"/>
+                <a:lumOff val="15000"/>
+              </a:schemeClr>
+            </a:solidFill>
+          </a:ln>
+        </p:spPr>
+        <p:txBody>
+          <a:bodyPr wrap="square">
+            <a:spAutoFit/>
+          </a:bodyPr>
+          <a:lstStyle/>
+          <a:p>
+            <a:r>
+              <a:rPr lang="en-US" dirty="0"/>
+              <a:t>IT Improvement</a:t>
+            </a:r>
+          </a:p>
+          <a:p>
+            <a:r>
+              <a:rPr lang="en-US" dirty="0"/>
+              <a:t>I Project</a:t>
+            </a:r>
+          </a:p>
+          <a:p>
+            <a:endParaRPr lang="en-US" dirty="0"/>
+          </a:p>
+          <a:p>
+            <a:r>
+              <a:rPr lang="en-US" dirty="0"/>
+              <a:t>Target : Indirect innovation</a:t>
+            </a:r>
+          </a:p>
+          <a:p>
+            <a:r>
+              <a:rPr lang="en-US" dirty="0"/>
+              <a:t>Manpower Efficiency up 10%</a:t>
+            </a:r>
+          </a:p>
+          <a:p>
+            <a:endParaRPr lang="en-US" dirty="0"/>
+          </a:p>
+          <a:p>
+            <a:r>
+              <a:rPr lang="en-US" dirty="0"/>
+              <a:t>and Protect Mistake from human error</a:t>
+            </a:r>
+          </a:p>
+        </p:txBody>
+      </p:sp>
+      <p:sp>
+        <p:nvSpPr>
+          <p:cNvPr id="4" name="Rectangle 3"/>
+          <p:cNvSpPr/>
+          <p:nvPr/>
+        </p:nvSpPr>
+        <p:spPr>
+          <a:xfrm>
+            <a:off x="5181600" y="2590800"/>
+            <a:ext cx="3733800" cy="2031325"/>
+          </a:xfrm>
+          <a:prstGeom prst="rect">
+            <a:avLst/>
+          </a:prstGeom>
+          <a:solidFill>
+            <a:srgbClr val="EDEDED"/>
+          </a:solidFill>
+          <a:ln>
+            <a:solidFill>
+              <a:srgbClr val="262626"/>
+            </a:solidFill>
+          </a:ln>
+        </p:spPr>
+        <p:txBody>
+          <a:bodyPr wrap="square">
+            <a:spAutoFit/>
+          </a:bodyPr>
+          <a:lstStyle/>
+          <a:p>
+            <a:r>
+              <a:rPr lang="en-US" dirty="0"/>
+              <a:t>Learning Problem</a:t>
+            </a:r>
+          </a:p>
+          <a:p>
+            <a:endParaRPr lang="en-US" dirty="0"/>
+          </a:p>
+          <a:p>
+            <a:r>
+              <a:rPr lang="en-US" dirty="0"/>
+              <a:t>Analyze job working process</a:t>
+            </a:r>
+          </a:p>
+          <a:p>
+            <a:endParaRPr lang="en-US" dirty="0"/>
+          </a:p>
+          <a:p>
+            <a:r>
+              <a:rPr lang="en-US" dirty="0"/>
+              <a:t>System design</a:t>
+            </a:r>
+          </a:p>
+          <a:p>
+            <a:endParaRPr lang="en-US" dirty="0"/>
+          </a:p>
+          <a:p>
+            <a:r>
+              <a:rPr lang="en-US" dirty="0"/>
+              <a:t>User Experience</a:t>
+            </a:r>
           </a:p>
         </p:txBody>
       </p:sp>
@@ -7677,13 +7669,6 @@
   <p:clrMapOvr>
     <a:masterClrMapping/>
   </p:clrMapOvr>
-  <p:timing>
-    <p:tnLst>
-      <p:par>
-        <p:cTn id="1" dur="indefinite" restart="never" nodeType="tmRoot"/>
-      </p:par>
-    </p:tnLst>
-  </p:timing>
 </p:sld>
 </file>
 
@@ -7772,7 +7757,7 @@
           <a:p>
             <a:pPr algn="ctr"/>
             <a:r>
-              <a:rPr lang="en-US" sz="2800" b="1" dirty="0" smtClean="0">
+              <a:rPr lang="en-US" sz="2800" b="1" dirty="0">
                 <a:latin typeface="Segoe UI" panose="020B0502040204020203" pitchFamily="34" charset="0"/>
                 <a:ea typeface="Segoe UI" panose="020B0502040204020203" pitchFamily="34" charset="0"/>
                 <a:cs typeface="Segoe UI" panose="020B0502040204020203" pitchFamily="34" charset="0"/>
@@ -7981,10 +7966,9 @@
           <a:p>
             <a:pPr algn="ctr"/>
             <a:r>
-              <a:rPr lang="en-US" dirty="0" smtClean="0"/>
+              <a:rPr lang="en-US" dirty="0"/>
               <a:t>Trainee</a:t>
             </a:r>
-            <a:endParaRPr lang="en-US" dirty="0"/>
           </a:p>
         </p:txBody>
       </p:sp>
@@ -8022,18 +8006,13 @@
           <a:lstStyle/>
           <a:p>
             <a:r>
-              <a:rPr lang="en-US" dirty="0" smtClean="0">
+              <a:rPr lang="en-US" dirty="0">
                 <a:latin typeface="Segoe UI" panose="020B0502040204020203" pitchFamily="34" charset="0"/>
                 <a:ea typeface="Segoe UI" panose="020B0502040204020203" pitchFamily="34" charset="0"/>
                 <a:cs typeface="Segoe UI" panose="020B0502040204020203" pitchFamily="34" charset="0"/>
               </a:rPr>
               <a:t>2. Challenge / Barrier / Problems facing and how to solve</a:t>
             </a:r>
-            <a:endParaRPr lang="en-US" dirty="0">
-              <a:latin typeface="Segoe UI" panose="020B0502040204020203" pitchFamily="34" charset="0"/>
-              <a:ea typeface="Segoe UI" panose="020B0502040204020203" pitchFamily="34" charset="0"/>
-              <a:cs typeface="Segoe UI" panose="020B0502040204020203" pitchFamily="34" charset="0"/>
-            </a:endParaRPr>
           </a:p>
         </p:txBody>
       </p:sp>
@@ -8082,7 +8061,7 @@
           <a:lstStyle/>
           <a:p>
             <a:r>
-              <a:rPr lang="en-US" dirty="0" smtClean="0">
+              <a:rPr lang="en-US" dirty="0">
                 <a:solidFill>
                   <a:schemeClr val="tx1"/>
                 </a:solidFill>
@@ -8092,14 +8071,6 @@
               </a:rPr>
               <a:t>Challenge</a:t>
             </a:r>
-            <a:endParaRPr lang="en-US" dirty="0">
-              <a:solidFill>
-                <a:schemeClr val="tx1"/>
-              </a:solidFill>
-              <a:latin typeface="Segoe UI" panose="020B0502040204020203" pitchFamily="34" charset="0"/>
-              <a:ea typeface="Segoe UI" panose="020B0502040204020203" pitchFamily="34" charset="0"/>
-              <a:cs typeface="Segoe UI" panose="020B0502040204020203" pitchFamily="34" charset="0"/>
-            </a:endParaRPr>
           </a:p>
         </p:txBody>
       </p:sp>
@@ -8148,7 +8119,7 @@
           <a:lstStyle/>
           <a:p>
             <a:r>
-              <a:rPr lang="en-US" dirty="0" smtClean="0">
+              <a:rPr lang="en-US" dirty="0">
                 <a:solidFill>
                   <a:schemeClr val="tx1"/>
                 </a:solidFill>
@@ -8158,14 +8129,6 @@
               </a:rPr>
               <a:t>Barrier</a:t>
             </a:r>
-            <a:endParaRPr lang="en-US" dirty="0">
-              <a:solidFill>
-                <a:schemeClr val="tx1"/>
-              </a:solidFill>
-              <a:latin typeface="Segoe UI" panose="020B0502040204020203" pitchFamily="34" charset="0"/>
-              <a:ea typeface="Segoe UI" panose="020B0502040204020203" pitchFamily="34" charset="0"/>
-              <a:cs typeface="Segoe UI" panose="020B0502040204020203" pitchFamily="34" charset="0"/>
-            </a:endParaRPr>
           </a:p>
         </p:txBody>
       </p:sp>
@@ -8214,7 +8177,7 @@
           <a:lstStyle/>
           <a:p>
             <a:r>
-              <a:rPr lang="en-US" dirty="0" smtClean="0">
+              <a:rPr lang="en-US" dirty="0">
                 <a:solidFill>
                   <a:schemeClr val="tx1"/>
                 </a:solidFill>
@@ -8224,14 +8187,6 @@
               </a:rPr>
               <a:t>Problems facing</a:t>
             </a:r>
-            <a:endParaRPr lang="en-US" dirty="0">
-              <a:solidFill>
-                <a:schemeClr val="tx1"/>
-              </a:solidFill>
-              <a:latin typeface="Segoe UI" panose="020B0502040204020203" pitchFamily="34" charset="0"/>
-              <a:ea typeface="Segoe UI" panose="020B0502040204020203" pitchFamily="34" charset="0"/>
-              <a:cs typeface="Segoe UI" panose="020B0502040204020203" pitchFamily="34" charset="0"/>
-            </a:endParaRPr>
           </a:p>
         </p:txBody>
       </p:sp>
@@ -8244,7 +8199,7 @@
         <p:spPr>
           <a:xfrm>
             <a:off x="228600" y="5334000"/>
-            <a:ext cx="9448800" cy="914400"/>
+            <a:ext cx="9448800" cy="1066800"/>
           </a:xfrm>
           <a:prstGeom prst="roundRect">
             <a:avLst/>
@@ -8280,7 +8235,7 @@
           <a:lstStyle/>
           <a:p>
             <a:r>
-              <a:rPr lang="en-US" dirty="0" smtClean="0">
+              <a:rPr lang="en-US" dirty="0">
                 <a:solidFill>
                   <a:schemeClr val="tx1"/>
                 </a:solidFill>
@@ -8290,14 +8245,128 @@
               </a:rPr>
               <a:t>How to solve</a:t>
             </a:r>
-            <a:endParaRPr lang="en-US" dirty="0">
-              <a:solidFill>
-                <a:schemeClr val="tx1"/>
-              </a:solidFill>
-              <a:latin typeface="Segoe UI" panose="020B0502040204020203" pitchFamily="34" charset="0"/>
-              <a:ea typeface="Segoe UI" panose="020B0502040204020203" pitchFamily="34" charset="0"/>
-              <a:cs typeface="Segoe UI" panose="020B0502040204020203" pitchFamily="34" charset="0"/>
-            </a:endParaRPr>
+          </a:p>
+        </p:txBody>
+      </p:sp>
+      <p:sp>
+        <p:nvSpPr>
+          <p:cNvPr id="3" name="Rectangle 2"/>
+          <p:cNvSpPr/>
+          <p:nvPr/>
+        </p:nvSpPr>
+        <p:spPr>
+          <a:xfrm>
+            <a:off x="762000" y="2286000"/>
+            <a:ext cx="6286500" cy="369332"/>
+          </a:xfrm>
+          <a:prstGeom prst="rect">
+            <a:avLst/>
+          </a:prstGeom>
+        </p:spPr>
+        <p:txBody>
+          <a:bodyPr wrap="square">
+            <a:spAutoFit/>
+          </a:bodyPr>
+          <a:lstStyle/>
+          <a:p>
+            <a:r>
+              <a:rPr lang="th-TH" dirty="0"/>
+              <a:t>ได้พัฒนาทักษะความสามารถที่หลากหลาย และได้เรียนรู้เทคโนโลยีใหม่ๆอยู่เสมอ</a:t>
+            </a:r>
+            <a:endParaRPr lang="en-US" dirty="0"/>
+          </a:p>
+        </p:txBody>
+      </p:sp>
+      <p:sp>
+        <p:nvSpPr>
+          <p:cNvPr id="4" name="Rectangle 3"/>
+          <p:cNvSpPr/>
+          <p:nvPr/>
+        </p:nvSpPr>
+        <p:spPr>
+          <a:xfrm>
+            <a:off x="762000" y="3429000"/>
+            <a:ext cx="4727576" cy="369332"/>
+          </a:xfrm>
+          <a:prstGeom prst="rect">
+            <a:avLst/>
+          </a:prstGeom>
+        </p:spPr>
+        <p:txBody>
+          <a:bodyPr wrap="none">
+            <a:spAutoFit/>
+          </a:bodyPr>
+          <a:lstStyle/>
+          <a:p>
+            <a:r>
+              <a:rPr lang="th-TH" dirty="0"/>
+              <a:t>ขาดทักษะในการบริหารจัดการเวลา ให้เหมาะสมต่องานที่ได้รับมอบหมาย</a:t>
+            </a:r>
+            <a:endParaRPr lang="en-US" dirty="0"/>
+          </a:p>
+        </p:txBody>
+      </p:sp>
+      <p:sp>
+        <p:nvSpPr>
+          <p:cNvPr id="7" name="Rectangle 6"/>
+          <p:cNvSpPr/>
+          <p:nvPr/>
+        </p:nvSpPr>
+        <p:spPr>
+          <a:xfrm>
+            <a:off x="762000" y="4648200"/>
+            <a:ext cx="2972289" cy="369332"/>
+          </a:xfrm>
+          <a:prstGeom prst="rect">
+            <a:avLst/>
+          </a:prstGeom>
+        </p:spPr>
+        <p:txBody>
+          <a:bodyPr wrap="none">
+            <a:spAutoFit/>
+          </a:bodyPr>
+          <a:lstStyle/>
+          <a:p>
+            <a:r>
+              <a:rPr lang="th-TH" dirty="0"/>
+              <a:t>ไม่สามารถส่งมอบงานได้ทันตามกำหนดเวลา</a:t>
+            </a:r>
+            <a:endParaRPr lang="en-US" dirty="0"/>
+          </a:p>
+        </p:txBody>
+      </p:sp>
+      <p:sp>
+        <p:nvSpPr>
+          <p:cNvPr id="10" name="Rectangle 9"/>
+          <p:cNvSpPr/>
+          <p:nvPr/>
+        </p:nvSpPr>
+        <p:spPr>
+          <a:xfrm>
+            <a:off x="762000" y="5754469"/>
+            <a:ext cx="7924800" cy="646331"/>
+          </a:xfrm>
+          <a:prstGeom prst="rect">
+            <a:avLst/>
+          </a:prstGeom>
+        </p:spPr>
+        <p:txBody>
+          <a:bodyPr wrap="square">
+            <a:spAutoFit/>
+          </a:bodyPr>
+          <a:lstStyle/>
+          <a:p>
+            <a:r>
+              <a:rPr lang="th-TH" dirty="0"/>
+              <a:t>ปรึกษาขอคำแนะนำจากผู้มีประสบการณ์ ทั้งจากเพื่อนร่วมงาน และหัวหน้างาน</a:t>
+            </a:r>
+          </a:p>
+          <a:p>
+            <a:r>
+              <a:rPr lang="th-TH" dirty="0"/>
+              <a:t>ฝึกทักษะความสามารถ และศึกษาเทคโนโลยีใหม่ๆ เพื่อนำมาปรับใช้ และลดเวลาในกระบวนการทำงานให้น้อยลง</a:t>
+            </a:r>
+            <a:endParaRPr lang="en-US" dirty="0"/>
           </a:p>
         </p:txBody>
       </p:sp>
@@ -8311,13 +8380,6 @@
   <p:clrMapOvr>
     <a:masterClrMapping/>
   </p:clrMapOvr>
-  <p:timing>
-    <p:tnLst>
-      <p:par>
-        <p:cTn id="1" dur="indefinite" restart="never" nodeType="tmRoot"/>
-      </p:par>
-    </p:tnLst>
-  </p:timing>
 </p:sld>
 </file>
 
@@ -8406,7 +8468,7 @@
           <a:p>
             <a:pPr algn="ctr"/>
             <a:r>
-              <a:rPr lang="en-US" sz="2800" b="1" dirty="0" smtClean="0">
+              <a:rPr lang="en-US" sz="2800" b="1" dirty="0">
                 <a:latin typeface="Segoe UI" panose="020B0502040204020203" pitchFamily="34" charset="0"/>
                 <a:ea typeface="Segoe UI" panose="020B0502040204020203" pitchFamily="34" charset="0"/>
                 <a:cs typeface="Segoe UI" panose="020B0502040204020203" pitchFamily="34" charset="0"/>
@@ -8615,10 +8677,9 @@
           <a:p>
             <a:pPr algn="ctr"/>
             <a:r>
-              <a:rPr lang="en-US" dirty="0" smtClean="0"/>
+              <a:rPr lang="en-US" dirty="0"/>
               <a:t>Trainee</a:t>
             </a:r>
-            <a:endParaRPr lang="en-US" dirty="0"/>
           </a:p>
         </p:txBody>
       </p:sp>
@@ -8656,18 +8717,13 @@
           <a:lstStyle/>
           <a:p>
             <a:r>
-              <a:rPr lang="en-US" dirty="0" smtClean="0">
+              <a:rPr lang="en-US" dirty="0">
                 <a:latin typeface="Segoe UI" panose="020B0502040204020203" pitchFamily="34" charset="0"/>
                 <a:ea typeface="Segoe UI" panose="020B0502040204020203" pitchFamily="34" charset="0"/>
                 <a:cs typeface="Segoe UI" panose="020B0502040204020203" pitchFamily="34" charset="0"/>
               </a:rPr>
               <a:t>3. Impression</a:t>
             </a:r>
-            <a:endParaRPr lang="en-US" dirty="0">
-              <a:latin typeface="Segoe UI" panose="020B0502040204020203" pitchFamily="34" charset="0"/>
-              <a:ea typeface="Segoe UI" panose="020B0502040204020203" pitchFamily="34" charset="0"/>
-              <a:cs typeface="Segoe UI" panose="020B0502040204020203" pitchFamily="34" charset="0"/>
-            </a:endParaRPr>
           </a:p>
         </p:txBody>
       </p:sp>
@@ -8679,8 +8735,8 @@
         </p:nvSpPr>
         <p:spPr>
           <a:xfrm>
-            <a:off x="304800" y="1524000"/>
-            <a:ext cx="9372600" cy="4572000"/>
+            <a:off x="228600" y="1524000"/>
+            <a:ext cx="9448800" cy="4572000"/>
           </a:xfrm>
           <a:prstGeom prst="roundRect">
             <a:avLst/>
@@ -8725,7 +8781,7 @@
         </p:nvSpPr>
         <p:spPr>
           <a:xfrm>
-            <a:off x="607559" y="1828800"/>
+            <a:off x="607559" y="1676400"/>
             <a:ext cx="2897641" cy="381000"/>
           </a:xfrm>
           <a:prstGeom prst="roundRect">
@@ -8763,7 +8819,7 @@
           <a:p>
             <a:pPr algn="ctr"/>
             <a:r>
-              <a:rPr lang="en-US" dirty="0" smtClean="0">
+              <a:rPr lang="en-US" dirty="0">
                 <a:solidFill>
                   <a:schemeClr val="tx1"/>
                 </a:solidFill>
@@ -8773,14 +8829,6 @@
               </a:rPr>
               <a:t>Team</a:t>
             </a:r>
-            <a:endParaRPr lang="en-US" dirty="0">
-              <a:solidFill>
-                <a:schemeClr val="tx1"/>
-              </a:solidFill>
-              <a:latin typeface="Segoe UI" panose="020B0502040204020203" pitchFamily="34" charset="0"/>
-              <a:ea typeface="Segoe UI" panose="020B0502040204020203" pitchFamily="34" charset="0"/>
-              <a:cs typeface="Segoe UI" panose="020B0502040204020203" pitchFamily="34" charset="0"/>
-            </a:endParaRPr>
           </a:p>
         </p:txBody>
       </p:sp>
@@ -8792,7 +8840,7 @@
         </p:nvSpPr>
         <p:spPr>
           <a:xfrm>
-            <a:off x="6629400" y="1828800"/>
+            <a:off x="6629400" y="4191000"/>
             <a:ext cx="2819400" cy="381000"/>
           </a:xfrm>
           <a:prstGeom prst="roundRect">
@@ -8830,7 +8878,7 @@
           <a:p>
             <a:pPr algn="ctr"/>
             <a:r>
-              <a:rPr lang="en-US" dirty="0" smtClean="0">
+              <a:rPr lang="en-US" dirty="0">
                 <a:solidFill>
                   <a:schemeClr val="tx1"/>
                 </a:solidFill>
@@ -8840,14 +8888,6 @@
               </a:rPr>
               <a:t>Organization (Canon)</a:t>
             </a:r>
-            <a:endParaRPr lang="en-US" dirty="0">
-              <a:solidFill>
-                <a:schemeClr val="tx1"/>
-              </a:solidFill>
-              <a:latin typeface="Segoe UI" panose="020B0502040204020203" pitchFamily="34" charset="0"/>
-              <a:ea typeface="Segoe UI" panose="020B0502040204020203" pitchFamily="34" charset="0"/>
-              <a:cs typeface="Segoe UI" panose="020B0502040204020203" pitchFamily="34" charset="0"/>
-            </a:endParaRPr>
           </a:p>
         </p:txBody>
       </p:sp>
@@ -8859,7 +8899,7 @@
         </p:nvSpPr>
         <p:spPr>
           <a:xfrm>
-            <a:off x="3581400" y="1828800"/>
+            <a:off x="3352800" y="2971800"/>
             <a:ext cx="2971800" cy="381000"/>
           </a:xfrm>
           <a:prstGeom prst="roundRect">
@@ -8897,7 +8937,7 @@
           <a:p>
             <a:pPr algn="ctr"/>
             <a:r>
-              <a:rPr lang="en-US" dirty="0" smtClean="0">
+              <a:rPr lang="en-US" dirty="0">
                 <a:solidFill>
                   <a:schemeClr val="tx1"/>
                 </a:solidFill>
@@ -8907,14 +8947,121 @@
               </a:rPr>
               <a:t>Div.</a:t>
             </a:r>
-            <a:endParaRPr lang="en-US" dirty="0">
-              <a:solidFill>
-                <a:schemeClr val="tx1"/>
-              </a:solidFill>
-              <a:latin typeface="Segoe UI" panose="020B0502040204020203" pitchFamily="34" charset="0"/>
-              <a:ea typeface="Segoe UI" panose="020B0502040204020203" pitchFamily="34" charset="0"/>
-              <a:cs typeface="Segoe UI" panose="020B0502040204020203" pitchFamily="34" charset="0"/>
-            </a:endParaRPr>
+          </a:p>
+        </p:txBody>
+      </p:sp>
+      <p:sp>
+        <p:nvSpPr>
+          <p:cNvPr id="3" name="Rectangle 2"/>
+          <p:cNvSpPr/>
+          <p:nvPr/>
+        </p:nvSpPr>
+        <p:spPr>
+          <a:xfrm>
+            <a:off x="838200" y="2124670"/>
+            <a:ext cx="5486400" cy="923330"/>
+          </a:xfrm>
+          <a:prstGeom prst="rect">
+            <a:avLst/>
+          </a:prstGeom>
+        </p:spPr>
+        <p:txBody>
+          <a:bodyPr wrap="square">
+            <a:spAutoFit/>
+          </a:bodyPr>
+          <a:lstStyle/>
+          <a:p>
+            <a:r>
+              <a:rPr lang="th-TH" dirty="0"/>
+              <a:t>	เราได้แลกเปลี่ยนความคิดเห็น ให้คำปรึกษา และคำแนะนำ</a:t>
+            </a:r>
+          </a:p>
+          <a:p>
+            <a:r>
+              <a:rPr lang="th-TH" dirty="0"/>
+              <a:t>ทั้งทัศนคติในการทำงาน การวางแผนดำเนินงาน และการแก้ไขปัญหา ให้แก่กันอยู่เสมอ</a:t>
+            </a:r>
+          </a:p>
+          <a:p>
+            <a:r>
+              <a:rPr lang="th-TH" dirty="0"/>
+              <a:t>ทีมคือส่วนสำคัญในความสำเร็จของผม</a:t>
+            </a:r>
+            <a:endParaRPr lang="en-US" dirty="0"/>
+          </a:p>
+        </p:txBody>
+      </p:sp>
+      <p:sp>
+        <p:nvSpPr>
+          <p:cNvPr id="4" name="Rectangle 3"/>
+          <p:cNvSpPr/>
+          <p:nvPr/>
+        </p:nvSpPr>
+        <p:spPr>
+          <a:xfrm>
+            <a:off x="990600" y="3429000"/>
+            <a:ext cx="8077200" cy="646331"/>
+          </a:xfrm>
+          <a:prstGeom prst="rect">
+            <a:avLst/>
+          </a:prstGeom>
+        </p:spPr>
+        <p:txBody>
+          <a:bodyPr wrap="square">
+            <a:spAutoFit/>
+          </a:bodyPr>
+          <a:lstStyle/>
+          <a:p>
+            <a:r>
+              <a:rPr lang="th-TH" dirty="0"/>
+              <a:t>	ผมได้รับความร่วมมือ ความช่วยเหลือ ทั้งด้านข้อมูล และแนวทางในการดำเนินงานทั้งจากภายใน และต่างแผนก</a:t>
+            </a:r>
+          </a:p>
+          <a:p>
+            <a:r>
+              <a:rPr lang="th-TH" dirty="0"/>
+              <a:t>ผมได้เห็นความพยายาม ในกระบวนการทำงาน เพื่อให้งานประสบความสำเร็จตามเป้าหมาย เพื่อตอบรับกับนโยบายขององค์กร</a:t>
+            </a:r>
+            <a:endParaRPr lang="en-US" dirty="0"/>
+          </a:p>
+        </p:txBody>
+      </p:sp>
+      <p:sp>
+        <p:nvSpPr>
+          <p:cNvPr id="5" name="Rectangle 4"/>
+          <p:cNvSpPr/>
+          <p:nvPr/>
+        </p:nvSpPr>
+        <p:spPr>
+          <a:xfrm>
+            <a:off x="914400" y="4648200"/>
+            <a:ext cx="8610600" cy="646331"/>
+          </a:xfrm>
+          <a:prstGeom prst="rect">
+            <a:avLst/>
+          </a:prstGeom>
+        </p:spPr>
+        <p:txBody>
+          <a:bodyPr wrap="square">
+            <a:spAutoFit/>
+          </a:bodyPr>
+          <a:lstStyle/>
+          <a:p>
+            <a:r>
+              <a:rPr lang="en-US" dirty="0"/>
+              <a:t>	</a:t>
+            </a:r>
+            <a:r>
+              <a:rPr lang="th-TH" dirty="0"/>
+              <a:t>ผมขอขอบคุณองค์กรที่ต้อนรับผม และพนักงานทุกท่านอย่างอบอุ่น และมองเห็นถึงความสำคัญในการพัฒนาศักยภาพของบุคลากร</a:t>
+            </a:r>
+          </a:p>
+          <a:p>
+            <a:r>
+              <a:rPr lang="th-TH" dirty="0"/>
+              <a:t>พร้อมทั้งจัดอบรมหลักสูตร เพื่อให้พนักงานได้พัฒนาศักยภาพ และประสิทธิภาพในการทำงานอยู่เสมอ</a:t>
+            </a:r>
+            <a:endParaRPr lang="en-US" dirty="0"/>
           </a:p>
         </p:txBody>
       </p:sp>
@@ -8928,13 +9075,6 @@
   <p:clrMapOvr>
     <a:masterClrMapping/>
   </p:clrMapOvr>
-  <p:timing>
-    <p:tnLst>
-      <p:par>
-        <p:cTn id="1" dur="indefinite" restart="never" nodeType="tmRoot"/>
-      </p:par>
-    </p:tnLst>
-  </p:timing>
 </p:sld>
 </file>
 
@@ -9023,7 +9163,7 @@
           <a:p>
             <a:pPr algn="ctr"/>
             <a:r>
-              <a:rPr lang="en-US" sz="2800" b="1" dirty="0" smtClean="0">
+              <a:rPr lang="en-US" sz="2800" b="1" dirty="0">
                 <a:latin typeface="Segoe UI" panose="020B0502040204020203" pitchFamily="34" charset="0"/>
                 <a:ea typeface="Segoe UI" panose="020B0502040204020203" pitchFamily="34" charset="0"/>
                 <a:cs typeface="Segoe UI" panose="020B0502040204020203" pitchFamily="34" charset="0"/>
@@ -9232,10 +9372,9 @@
           <a:p>
             <a:pPr algn="ctr"/>
             <a:r>
-              <a:rPr lang="en-US" dirty="0" smtClean="0"/>
+              <a:rPr lang="en-US" dirty="0"/>
               <a:t>Trainee</a:t>
             </a:r>
-            <a:endParaRPr lang="en-US" dirty="0"/>
           </a:p>
         </p:txBody>
       </p:sp>
@@ -9273,18 +9412,13 @@
           <a:lstStyle/>
           <a:p>
             <a:r>
-              <a:rPr lang="en-US" dirty="0" smtClean="0">
+              <a:rPr lang="en-US" dirty="0">
                 <a:latin typeface="Segoe UI" panose="020B0502040204020203" pitchFamily="34" charset="0"/>
                 <a:ea typeface="Segoe UI" panose="020B0502040204020203" pitchFamily="34" charset="0"/>
                 <a:cs typeface="Segoe UI" panose="020B0502040204020203" pitchFamily="34" charset="0"/>
               </a:rPr>
               <a:t>4. Commitment</a:t>
             </a:r>
-            <a:endParaRPr lang="en-US" dirty="0">
-              <a:latin typeface="Segoe UI" panose="020B0502040204020203" pitchFamily="34" charset="0"/>
-              <a:ea typeface="Segoe UI" panose="020B0502040204020203" pitchFamily="34" charset="0"/>
-              <a:cs typeface="Segoe UI" panose="020B0502040204020203" pitchFamily="34" charset="0"/>
-            </a:endParaRPr>
           </a:p>
         </p:txBody>
       </p:sp>
@@ -9380,7 +9514,7 @@
           <a:p>
             <a:pPr algn="ctr"/>
             <a:r>
-              <a:rPr lang="en-US" dirty="0" smtClean="0">
+              <a:rPr lang="en-US" dirty="0">
                 <a:solidFill>
                   <a:schemeClr val="tx1"/>
                 </a:solidFill>
@@ -9390,14 +9524,6 @@
               </a:rPr>
               <a:t>Self Development</a:t>
             </a:r>
-            <a:endParaRPr lang="en-US" dirty="0">
-              <a:solidFill>
-                <a:schemeClr val="tx1"/>
-              </a:solidFill>
-              <a:latin typeface="Segoe UI" panose="020B0502040204020203" pitchFamily="34" charset="0"/>
-              <a:ea typeface="Segoe UI" panose="020B0502040204020203" pitchFamily="34" charset="0"/>
-              <a:cs typeface="Segoe UI" panose="020B0502040204020203" pitchFamily="34" charset="0"/>
-            </a:endParaRPr>
           </a:p>
         </p:txBody>
       </p:sp>
@@ -9447,7 +9573,7 @@
           <a:p>
             <a:pPr algn="ctr"/>
             <a:r>
-              <a:rPr lang="en-US" dirty="0" smtClean="0">
+              <a:rPr lang="en-US" dirty="0">
                 <a:solidFill>
                   <a:schemeClr val="tx1"/>
                 </a:solidFill>
@@ -9457,13 +9583,175 @@
               </a:rPr>
               <a:t>How to improvement</a:t>
             </a:r>
-            <a:endParaRPr lang="en-US" dirty="0">
-              <a:solidFill>
-                <a:schemeClr val="tx1"/>
-              </a:solidFill>
-              <a:latin typeface="Segoe UI" panose="020B0502040204020203" pitchFamily="34" charset="0"/>
-              <a:ea typeface="Segoe UI" panose="020B0502040204020203" pitchFamily="34" charset="0"/>
-              <a:cs typeface="Segoe UI" panose="020B0502040204020203" pitchFamily="34" charset="0"/>
+          </a:p>
+        </p:txBody>
+      </p:sp>
+      <p:sp>
+        <p:nvSpPr>
+          <p:cNvPr id="3" name="กล่องข้อความ 2">
+            <a:extLst>
+              <a:ext uri="{FF2B5EF4-FFF2-40B4-BE49-F238E27FC236}">
+                <a16:creationId xmlns:a16="http://schemas.microsoft.com/office/drawing/2014/main" id="{D37C1C84-4312-4382-A483-3665A5F47174}"/>
+              </a:ext>
+            </a:extLst>
+          </p:cNvPr>
+          <p:cNvSpPr txBox="1"/>
+          <p:nvPr/>
+        </p:nvSpPr>
+        <p:spPr>
+          <a:xfrm>
+            <a:off x="1203960" y="4775759"/>
+            <a:ext cx="7498079" cy="923330"/>
+          </a:xfrm>
+          <a:prstGeom prst="rect">
+            <a:avLst/>
+          </a:prstGeom>
+          <a:noFill/>
+        </p:spPr>
+        <p:txBody>
+          <a:bodyPr rot="0" spcFirstLastPara="0" vertOverflow="overflow" horzOverflow="overflow" vert="horz" wrap="square" lIns="91440" tIns="45720" rIns="91440" bIns="45720" numCol="1" spcCol="0" rtlCol="0" fromWordArt="0" anchor="t" anchorCtr="0" forceAA="0" compatLnSpc="1">
+            <a:prstTxWarp prst="textNoShape">
+              <a:avLst/>
+            </a:prstTxWarp>
+            <a:spAutoFit/>
+          </a:bodyPr>
+          <a:lstStyle/>
+          <a:p>
+            <a:r>
+              <a:rPr lang="en-US" dirty="0"/>
+              <a:t>    </a:t>
+            </a:r>
+            <a:r>
+              <a:rPr lang="en-US" dirty="0" err="1"/>
+              <a:t>ผมสัญญาว่าจะปฏิบัติหน้าที่อย่างเต็มความสามารถ</a:t>
+            </a:r>
+            <a:r>
+              <a:rPr lang="en-US" dirty="0"/>
+              <a:t> </a:t>
+            </a:r>
+            <a:r>
+              <a:rPr lang="en-US" dirty="0" err="1"/>
+              <a:t>และพัฒนาตัวเองอยู่เสมอ</a:t>
+            </a:r>
+            <a:endParaRPr lang="en-US" dirty="0" err="1">
+              <a:cs typeface="Calibri"/>
+            </a:endParaRPr>
+          </a:p>
+          <a:p>
+            <a:endParaRPr lang="en-US"/>
+          </a:p>
+          <a:p>
+            <a:r>
+              <a:rPr lang="en-US" dirty="0" err="1"/>
+              <a:t>เพื่อคุณภาพของงาน</a:t>
+            </a:r>
+            <a:r>
+              <a:rPr lang="en-US" dirty="0"/>
+              <a:t> </a:t>
+            </a:r>
+            <a:r>
+              <a:rPr lang="en-US" dirty="0" err="1"/>
+              <a:t>และสร้างผลลัพธ์ที่ดีให้แก่องค์กร</a:t>
+            </a:r>
+            <a:endParaRPr lang="en-US" dirty="0" err="1">
+              <a:cs typeface="Calibri"/>
+            </a:endParaRPr>
+          </a:p>
+        </p:txBody>
+      </p:sp>
+      <p:sp>
+        <p:nvSpPr>
+          <p:cNvPr id="4" name="กล่องข้อความ 3">
+            <a:extLst>
+              <a:ext uri="{FF2B5EF4-FFF2-40B4-BE49-F238E27FC236}">
+                <a16:creationId xmlns:a16="http://schemas.microsoft.com/office/drawing/2014/main" id="{7D4051C0-A965-44EE-9570-D6EF94846FFD}"/>
+              </a:ext>
+            </a:extLst>
+          </p:cNvPr>
+          <p:cNvSpPr txBox="1"/>
+          <p:nvPr/>
+        </p:nvSpPr>
+        <p:spPr>
+          <a:xfrm>
+            <a:off x="1156790" y="2568369"/>
+            <a:ext cx="8366033" cy="923330"/>
+          </a:xfrm>
+          <a:prstGeom prst="rect">
+            <a:avLst/>
+          </a:prstGeom>
+          <a:noFill/>
+        </p:spPr>
+        <p:txBody>
+          <a:bodyPr rot="0" spcFirstLastPara="0" vertOverflow="overflow" horzOverflow="overflow" vert="horz" wrap="square" lIns="91440" tIns="45720" rIns="91440" bIns="45720" numCol="1" spcCol="0" rtlCol="0" fromWordArt="0" anchor="t" anchorCtr="0" forceAA="0" compatLnSpc="1">
+            <a:prstTxWarp prst="textNoShape">
+              <a:avLst/>
+            </a:prstTxWarp>
+            <a:spAutoFit/>
+          </a:bodyPr>
+          <a:lstStyle/>
+          <a:p>
+            <a:r>
+              <a:rPr lang="en-US" dirty="0"/>
+              <a:t>    </a:t>
+            </a:r>
+            <a:r>
+              <a:rPr lang="en-US" dirty="0" err="1"/>
+              <a:t>ตลอดระยะเวลา</a:t>
+            </a:r>
+            <a:r>
+              <a:rPr lang="en-US" dirty="0"/>
+              <a:t> 1 </a:t>
+            </a:r>
+            <a:r>
+              <a:rPr lang="en-US" dirty="0" err="1"/>
+              <a:t>ปี</a:t>
+            </a:r>
+            <a:r>
+              <a:rPr lang="en-US" dirty="0"/>
+              <a:t> </a:t>
+            </a:r>
+            <a:r>
+              <a:rPr lang="en-US" dirty="0" err="1"/>
+              <a:t>ผมได้พัฒนาทักษะความรู้</a:t>
+            </a:r>
+            <a:r>
+              <a:rPr lang="en-US" dirty="0"/>
+              <a:t> </a:t>
+            </a:r>
+            <a:r>
+              <a:rPr lang="en-US" dirty="0" err="1"/>
+              <a:t>การตัดสินใจ</a:t>
+            </a:r>
+            <a:r>
+              <a:rPr lang="en-US" dirty="0"/>
+              <a:t> </a:t>
+            </a:r>
+            <a:r>
+              <a:rPr lang="en-US" dirty="0" err="1"/>
+              <a:t>การบริหารจัดการเวลา</a:t>
+            </a:r>
+            <a:endParaRPr lang="en-US" dirty="0" err="1">
+              <a:cs typeface="Calibri"/>
+            </a:endParaRPr>
+          </a:p>
+          <a:p>
+            <a:endParaRPr lang="en-US"/>
+          </a:p>
+          <a:p>
+            <a:r>
+              <a:rPr lang="en-US" dirty="0" err="1"/>
+              <a:t>และมีการวางแผนกระบวนการทำงาน</a:t>
+            </a:r>
+            <a:r>
+              <a:rPr lang="en-US" dirty="0"/>
+              <a:t> </a:t>
+            </a:r>
+            <a:r>
+              <a:rPr lang="en-US" dirty="0" err="1"/>
+              <a:t>เพื่อจัดการปัญหาในส่วนต่างๆอย่างมีประสิทธิภาพ</a:t>
+            </a:r>
+            <a:endParaRPr lang="en-US" dirty="0" err="1">
+              <a:cs typeface="Calibri"/>
             </a:endParaRPr>
           </a:p>
         </p:txBody>
@@ -9478,13 +9766,6 @@
   <p:clrMapOvr>
     <a:masterClrMapping/>
   </p:clrMapOvr>
-  <p:timing>
-    <p:tnLst>
-      <p:par>
-        <p:cTn id="1" dur="indefinite" restart="never" nodeType="tmRoot"/>
-      </p:par>
-    </p:tnLst>
-  </p:timing>
 </p:sld>
 </file>
 
@@ -9529,7 +9810,7 @@
           <a:p>
             <a:pPr algn="ctr"/>
             <a:r>
-              <a:rPr lang="th-TH" dirty="0" smtClean="0"/>
+              <a:rPr lang="th-TH" dirty="0"/>
               <a:t>กำหนดส่ง</a:t>
             </a:r>
             <a:endParaRPr lang="en-US" dirty="0"/>
@@ -9585,49 +9866,43 @@
               <a:buAutoNum type="arabicParenR"/>
             </a:pPr>
             <a:r>
-              <a:rPr lang="th-TH" dirty="0" smtClean="0">
+              <a:rPr lang="th-TH" dirty="0">
                 <a:cs typeface="+mj-cs"/>
               </a:rPr>
               <a:t>กำหนดการ ส่ง</a:t>
             </a:r>
             <a:r>
-              <a:rPr lang="en-US" dirty="0" smtClean="0">
+              <a:rPr lang="en-US" dirty="0">
                 <a:cs typeface="+mj-cs"/>
               </a:rPr>
               <a:t> OJT result 12 Month </a:t>
             </a:r>
             <a:r>
-              <a:rPr lang="th-TH" dirty="0" smtClean="0">
+              <a:rPr lang="th-TH" dirty="0">
                 <a:cs typeface="+mj-cs"/>
               </a:rPr>
               <a:t>ส่งให้ </a:t>
             </a:r>
             <a:r>
-              <a:rPr lang="en-US" dirty="0" smtClean="0">
-                <a:cs typeface="+mj-cs"/>
-              </a:rPr>
-              <a:t>HRD 17 </a:t>
-            </a:r>
-            <a:r>
               <a:rPr lang="en-US" dirty="0">
                 <a:cs typeface="+mj-cs"/>
               </a:rPr>
-              <a:t>Aug 2020 </a:t>
-            </a:r>
-            <a:r>
-              <a:rPr lang="th-TH" dirty="0" smtClean="0">
+              <a:t>HRD 17 Aug 2020 </a:t>
+            </a:r>
+            <a:r>
+              <a:rPr lang="th-TH" dirty="0">
                 <a:cs typeface="+mj-cs"/>
               </a:rPr>
               <a:t>(กรุณาให้ </a:t>
             </a:r>
             <a:r>
-              <a:rPr lang="en-US" dirty="0" smtClean="0">
+              <a:rPr lang="en-US" dirty="0">
                 <a:cs typeface="+mj-cs"/>
               </a:rPr>
               <a:t>GM </a:t>
             </a:r>
             <a:r>
-              <a:rPr lang="th-TH" dirty="0" smtClean="0">
+              <a:rPr lang="th-TH" dirty="0">
                 <a:cs typeface="+mj-cs"/>
               </a:rPr>
               <a:t>อนุมัติให้เรียบร้อย)</a:t>
@@ -9638,7 +9913,7 @@
               <a:buAutoNum type="arabicParenR"/>
             </a:pPr>
             <a:r>
-              <a:rPr lang="en-US" dirty="0" smtClean="0">
+              <a:rPr lang="en-US" dirty="0">
                 <a:cs typeface="+mj-cs"/>
               </a:rPr>
               <a:t>File Presentation</a:t>
@@ -9647,70 +9922,52 @@
               <a:rPr lang="th-TH" dirty="0">
                 <a:cs typeface="+mj-cs"/>
               </a:rPr>
-              <a:t> </a:t>
-            </a:r>
-            <a:r>
-              <a:rPr lang="th-TH" dirty="0" smtClean="0">
-                <a:cs typeface="+mj-cs"/>
-              </a:rPr>
-              <a:t>ทั้ง </a:t>
-            </a:r>
-            <a:r>
-              <a:rPr lang="en-US" dirty="0" smtClean="0">
+              <a:t> ทั้ง </a:t>
+            </a:r>
+            <a:r>
+              <a:rPr lang="en-US" dirty="0">
                 <a:cs typeface="+mj-cs"/>
               </a:rPr>
               <a:t>Trainer </a:t>
             </a:r>
             <a:r>
-              <a:rPr lang="th-TH" dirty="0" smtClean="0">
+              <a:rPr lang="th-TH" dirty="0">
                 <a:cs typeface="+mj-cs"/>
               </a:rPr>
               <a:t>และ </a:t>
             </a:r>
             <a:r>
-              <a:rPr lang="en-US" dirty="0" smtClean="0">
+              <a:rPr lang="en-US" dirty="0">
                 <a:cs typeface="+mj-cs"/>
               </a:rPr>
               <a:t>Trainee </a:t>
             </a:r>
             <a:r>
-              <a:rPr lang="th-TH" dirty="0" smtClean="0">
+              <a:rPr lang="th-TH" dirty="0">
                 <a:cs typeface="+mj-cs"/>
               </a:rPr>
               <a:t>ส่งให้ </a:t>
             </a:r>
             <a:r>
-              <a:rPr lang="en-US" dirty="0" smtClean="0">
+              <a:rPr lang="en-US" dirty="0">
                 <a:cs typeface="+mj-cs"/>
               </a:rPr>
               <a:t>HRD </a:t>
             </a:r>
             <a:r>
-              <a:rPr lang="th-TH" dirty="0" smtClean="0">
+              <a:rPr lang="th-TH" dirty="0">
                 <a:cs typeface="+mj-cs"/>
               </a:rPr>
               <a:t>วันที่ </a:t>
             </a:r>
             <a:r>
-              <a:rPr lang="en-US" dirty="0" smtClean="0">
-                <a:cs typeface="+mj-cs"/>
-              </a:rPr>
-              <a:t>17 </a:t>
-            </a:r>
-            <a:r>
               <a:rPr lang="en-US" dirty="0">
                 <a:cs typeface="+mj-cs"/>
               </a:rPr>
-              <a:t>Aug </a:t>
-            </a:r>
-            <a:r>
-              <a:rPr lang="en-US" dirty="0" smtClean="0">
-                <a:cs typeface="+mj-cs"/>
-              </a:rPr>
-              <a:t>2020 (</a:t>
-            </a:r>
-            <a:r>
-              <a:rPr lang="th-TH" dirty="0" smtClean="0">
+              <a:t>17 Aug 2020 (</a:t>
+            </a:r>
+            <a:r>
+              <a:rPr lang="th-TH" dirty="0">
                 <a:cs typeface="+mj-cs"/>
               </a:rPr>
               <a:t>ก่อนส่งให้ผู้จัดการตรวจสอบก่อนค่ะ)</a:t>
@@ -9721,19 +9978,19 @@
               <a:buAutoNum type="arabicParenR"/>
             </a:pPr>
             <a:r>
-              <a:rPr lang="th-TH" dirty="0" smtClean="0">
+              <a:rPr lang="th-TH" dirty="0">
                 <a:cs typeface="+mj-cs"/>
               </a:rPr>
               <a:t>ร่างสคลิปสำหรับนำเสนอคร่าวๆ (เพื่อให้</a:t>
             </a:r>
             <a:r>
-              <a:rPr lang="en-US" dirty="0" smtClean="0">
+              <a:rPr lang="en-US" dirty="0">
                 <a:cs typeface="+mj-cs"/>
               </a:rPr>
               <a:t> SA Staff </a:t>
             </a:r>
             <a:r>
-              <a:rPr lang="th-TH" dirty="0" smtClean="0">
+              <a:rPr lang="th-TH" dirty="0">
                 <a:cs typeface="+mj-cs"/>
               </a:rPr>
               <a:t>ได้มีเวลาอ่านและเตรียมตัวแปล)</a:t>
@@ -9790,7 +10047,7 @@
           <a:p>
             <a:pPr algn="ctr"/>
             <a:r>
-              <a:rPr lang="th-TH" dirty="0" smtClean="0"/>
+              <a:rPr lang="th-TH" dirty="0"/>
               <a:t>การนำเสนอ</a:t>
             </a:r>
             <a:endParaRPr lang="en-US" dirty="0"/>
@@ -9823,25 +10080,25 @@
               <a:buAutoNum type="arabicParenR"/>
             </a:pPr>
             <a:r>
-              <a:rPr lang="en-US" dirty="0" smtClean="0">
+              <a:rPr lang="en-US" dirty="0">
                 <a:cs typeface="+mj-cs"/>
               </a:rPr>
               <a:t>Slide Presentation </a:t>
             </a:r>
             <a:r>
-              <a:rPr lang="th-TH" dirty="0" smtClean="0">
+              <a:rPr lang="th-TH" dirty="0">
                 <a:cs typeface="+mj-cs"/>
               </a:rPr>
               <a:t>ทำเป็นภาษาอังกฤษ การนำเสนอ นำเสนอด้วยภาษาไทย (หากใครสามารถนำเสนอเป็นภาษาอังกฤษ โดยไม่ต้องใช้ </a:t>
             </a:r>
             <a:r>
-              <a:rPr lang="en-US" dirty="0" smtClean="0">
+              <a:rPr lang="en-US" dirty="0">
                 <a:cs typeface="+mj-cs"/>
               </a:rPr>
               <a:t>SA Staff </a:t>
             </a:r>
             <a:r>
-              <a:rPr lang="th-TH" dirty="0" smtClean="0">
+              <a:rPr lang="th-TH" dirty="0">
                 <a:cs typeface="+mj-cs"/>
               </a:rPr>
               <a:t>บอกได้ค่ะ)</a:t>
@@ -9852,30 +10109,30 @@
               <a:buAutoNum type="arabicParenR"/>
             </a:pPr>
             <a:r>
-              <a:rPr lang="th-TH" dirty="0" smtClean="0">
+              <a:rPr lang="th-TH" dirty="0">
                 <a:cs typeface="+mj-cs"/>
               </a:rPr>
               <a:t>การนำเสนอ </a:t>
             </a:r>
             <a:r>
-              <a:rPr lang="en-US" dirty="0" smtClean="0">
+              <a:rPr lang="en-US" dirty="0">
                 <a:cs typeface="+mj-cs"/>
               </a:rPr>
               <a:t>Trainer </a:t>
             </a:r>
             <a:r>
-              <a:rPr lang="th-TH" dirty="0" smtClean="0">
+              <a:rPr lang="th-TH" dirty="0">
                 <a:cs typeface="+mj-cs"/>
               </a:rPr>
               <a:t>นำเสนอก่อน แล้วตามด้วย </a:t>
             </a:r>
             <a:r>
-              <a:rPr lang="en-US" dirty="0" smtClean="0">
+              <a:rPr lang="en-US" dirty="0">
                 <a:cs typeface="+mj-cs"/>
               </a:rPr>
               <a:t>Trainee</a:t>
             </a:r>
-            <a:endParaRPr lang="th-TH" dirty="0" smtClean="0">
+            <a:endParaRPr lang="th-TH" dirty="0">
               <a:cs typeface="+mj-cs"/>
             </a:endParaRPr>
           </a:p>
@@ -9884,31 +10141,31 @@
               <a:buAutoNum type="arabicParenR"/>
             </a:pPr>
             <a:r>
-              <a:rPr lang="th-TH" dirty="0" smtClean="0">
+              <a:rPr lang="th-TH" dirty="0">
                 <a:cs typeface="+mj-cs"/>
               </a:rPr>
               <a:t>เมื่อนำเสนอจบ  </a:t>
             </a:r>
             <a:r>
-              <a:rPr lang="en-US" dirty="0" smtClean="0">
+              <a:rPr lang="en-US" dirty="0">
                 <a:cs typeface="+mj-cs"/>
               </a:rPr>
               <a:t>Mgr. </a:t>
             </a:r>
             <a:r>
-              <a:rPr lang="en-US" dirty="0" err="1" smtClean="0">
+              <a:rPr lang="en-US" dirty="0" err="1">
                 <a:cs typeface="+mj-cs"/>
               </a:rPr>
               <a:t>Agm</a:t>
             </a:r>
             <a:r>
-              <a:rPr lang="en-US" dirty="0" smtClean="0">
+              <a:rPr lang="en-US" dirty="0">
                 <a:cs typeface="+mj-cs"/>
               </a:rPr>
               <a:t> GM </a:t>
             </a:r>
             <a:r>
-              <a:rPr lang="th-TH" dirty="0" smtClean="0">
+              <a:rPr lang="th-TH" dirty="0">
                 <a:cs typeface="+mj-cs"/>
               </a:rPr>
               <a:t>จะให้คำแนะนำเพิ่ม</a:t>
